--- a/분석프로세스.pptx
+++ b/분석프로세스.pptx
@@ -6,6 +6,7 @@
   </p:sldMasterIdLst>
   <p:sldIdLst>
     <p:sldId id="256" r:id="rId2"/>
+    <p:sldId id="257" r:id="rId3"/>
   </p:sldIdLst>
   <p:sldSz cx="12192000" cy="6858000"/>
   <p:notesSz cx="6858000" cy="9144000"/>
@@ -104,6 +105,11 @@
       </a:defRPr>
     </a:lvl9pPr>
   </p:defaultTextStyle>
+  <p:extLst>
+    <p:ext uri="{EFAFB233-063F-42B5-8137-9DF3F51BA10A}">
+      <p15:sldGuideLst xmlns:p15="http://schemas.microsoft.com/office/powerpoint/2012/main"/>
+    </p:ext>
+  </p:extLst>
 </p:presentation>
 </file>
 
@@ -870,7 +876,7 @@
       </dgm:t>
     </dgm:pt>
     <dgm:pt modelId="{9CACE5BB-AD0B-40F1-848F-CCD921284259}">
-      <dgm:prSet phldrT="[텍스트]"/>
+      <dgm:prSet phldrT="[텍스트]" custT="1"/>
       <dgm:spPr/>
       <dgm:t>
         <a:bodyPr/>
@@ -878,7 +884,7 @@
         <a:p>
           <a:pPr latinLnBrk="1"/>
           <a:r>
-            <a:rPr lang="ko-KR" altLang="en-US" dirty="0"/>
+            <a:rPr lang="ko-KR" altLang="en-US" sz="1400" dirty="0"/>
             <a:t>현황분석</a:t>
           </a:r>
         </a:p>
@@ -909,7 +915,7 @@
       </dgm:t>
     </dgm:pt>
     <dgm:pt modelId="{78F7FD1D-5553-46E0-9607-478370B6DF4A}">
-      <dgm:prSet phldrT="[텍스트]"/>
+      <dgm:prSet phldrT="[텍스트]" custT="1"/>
       <dgm:spPr/>
       <dgm:t>
         <a:bodyPr/>
@@ -917,7 +923,7 @@
         <a:p>
           <a:pPr latinLnBrk="1"/>
           <a:r>
-            <a:rPr lang="ko-KR" altLang="en-US" dirty="0"/>
+            <a:rPr lang="ko-KR" altLang="en-US" sz="1400" dirty="0"/>
             <a:t>주차시설 현황조사</a:t>
           </a:r>
         </a:p>
@@ -948,7 +954,7 @@
       </dgm:t>
     </dgm:pt>
     <dgm:pt modelId="{3262201D-61B5-49E8-AB8E-D603F5DCEBF5}">
-      <dgm:prSet phldrT="[텍스트]"/>
+      <dgm:prSet phldrT="[텍스트]" custT="1"/>
       <dgm:spPr/>
       <dgm:t>
         <a:bodyPr/>
@@ -956,7 +962,7 @@
         <a:p>
           <a:pPr latinLnBrk="1"/>
           <a:r>
-            <a:rPr lang="ko-KR" altLang="en-US" dirty="0"/>
+            <a:rPr lang="ko-KR" altLang="en-US" sz="1400" dirty="0"/>
             <a:t>주차 만족도 작성</a:t>
           </a:r>
         </a:p>
@@ -987,16 +993,28 @@
       </dgm:t>
     </dgm:pt>
     <dgm:pt modelId="{F4590578-142D-41F2-92E1-9820ECB8F6BB}">
-      <dgm:prSet phldrT="[텍스트]"/>
+      <dgm:prSet phldrT="[텍스트]" custT="1"/>
       <dgm:spPr/>
       <dgm:t>
         <a:bodyPr/>
         <a:lstStyle/>
         <a:p>
           <a:pPr latinLnBrk="1"/>
+          <a:endParaRPr lang="en-US" altLang="ko-KR" sz="1300" dirty="0"/>
+        </a:p>
+        <a:p>
+          <a:pPr latinLnBrk="1"/>
           <a:r>
-            <a:rPr lang="ko-KR" altLang="en-US" dirty="0"/>
-            <a:t>데이터수집</a:t>
+            <a:rPr lang="ko-KR" altLang="en-US" sz="1300" dirty="0"/>
+            <a:t>데이터</a:t>
+          </a:r>
+          <a:endParaRPr lang="en-US" altLang="ko-KR" sz="1300" dirty="0"/>
+        </a:p>
+        <a:p>
+          <a:pPr latinLnBrk="1"/>
+          <a:r>
+            <a:rPr lang="ko-KR" altLang="en-US" sz="1300" dirty="0"/>
+            <a:t>수집</a:t>
           </a:r>
         </a:p>
       </dgm:t>
@@ -1026,7 +1044,7 @@
       </dgm:t>
     </dgm:pt>
     <dgm:pt modelId="{DCFE370C-CFF6-456F-A35C-D35DE76D3A68}">
-      <dgm:prSet phldrT="[텍스트]"/>
+      <dgm:prSet phldrT="[텍스트]" custT="1"/>
       <dgm:spPr/>
       <dgm:t>
         <a:bodyPr/>
@@ -1034,31 +1052,31 @@
         <a:p>
           <a:pPr latinLnBrk="1"/>
           <a:r>
-            <a:rPr lang="ko-KR" altLang="en-US" dirty="0"/>
+            <a:rPr lang="ko-KR" altLang="en-US" sz="1400" dirty="0"/>
             <a:t>지역 데이터 </a:t>
           </a:r>
           <a:r>
-            <a:rPr lang="en-US" altLang="ko-KR" dirty="0"/>
+            <a:rPr lang="en-US" altLang="ko-KR" sz="1400" dirty="0"/>
             <a:t>: </a:t>
           </a:r>
           <a:r>
-            <a:rPr lang="ko-KR" altLang="en-US" dirty="0" err="1"/>
+            <a:rPr lang="ko-KR" altLang="en-US" sz="1400" dirty="0" err="1"/>
             <a:t>사업체수</a:t>
           </a:r>
           <a:r>
-            <a:rPr lang="en-US" altLang="ko-KR" dirty="0"/>
+            <a:rPr lang="en-US" altLang="ko-KR" sz="1400" dirty="0"/>
             <a:t>, </a:t>
           </a:r>
           <a:r>
-            <a:rPr lang="ko-KR" altLang="en-US" dirty="0" err="1"/>
+            <a:rPr lang="ko-KR" altLang="en-US" sz="1400" dirty="0" err="1"/>
             <a:t>주차면수</a:t>
           </a:r>
           <a:r>
-            <a:rPr lang="en-US" altLang="ko-KR" dirty="0"/>
+            <a:rPr lang="en-US" altLang="ko-KR" sz="1400" dirty="0"/>
             <a:t>, </a:t>
           </a:r>
           <a:r>
-            <a:rPr lang="ko-KR" altLang="en-US" dirty="0"/>
+            <a:rPr lang="ko-KR" altLang="en-US" sz="1400" dirty="0"/>
             <a:t>공영주차장 위치</a:t>
           </a:r>
         </a:p>
@@ -1089,7 +1107,7 @@
       </dgm:t>
     </dgm:pt>
     <dgm:pt modelId="{46DC4ECB-5640-490D-8EE6-263075F067B6}">
-      <dgm:prSet phldrT="[텍스트]"/>
+      <dgm:prSet phldrT="[텍스트]" custT="1"/>
       <dgm:spPr/>
       <dgm:t>
         <a:bodyPr/>
@@ -1097,39 +1115,39 @@
         <a:p>
           <a:pPr latinLnBrk="1"/>
           <a:r>
-            <a:rPr lang="ko-KR" altLang="en-US" dirty="0"/>
+            <a:rPr lang="ko-KR" altLang="en-US" sz="1400" dirty="0"/>
             <a:t>인구데이터 </a:t>
           </a:r>
           <a:r>
-            <a:rPr lang="en-US" altLang="ko-KR" dirty="0"/>
+            <a:rPr lang="en-US" altLang="ko-KR" sz="1400" dirty="0"/>
             <a:t>: </a:t>
           </a:r>
           <a:r>
-            <a:rPr lang="ko-KR" altLang="en-US" dirty="0"/>
+            <a:rPr lang="ko-KR" altLang="en-US" sz="1400" dirty="0"/>
             <a:t>카드이용건수</a:t>
           </a:r>
           <a:r>
-            <a:rPr lang="en-US" altLang="ko-KR" dirty="0"/>
+            <a:rPr lang="en-US" altLang="ko-KR" sz="1400" dirty="0"/>
             <a:t>, </a:t>
           </a:r>
           <a:r>
-            <a:rPr lang="ko-KR" altLang="en-US" dirty="0"/>
+            <a:rPr lang="ko-KR" altLang="en-US" sz="1400" dirty="0"/>
             <a:t>유동인구</a:t>
           </a:r>
           <a:r>
-            <a:rPr lang="en-US" altLang="ko-KR" dirty="0"/>
+            <a:rPr lang="en-US" altLang="ko-KR" sz="1400" dirty="0"/>
             <a:t>, </a:t>
           </a:r>
           <a:r>
-            <a:rPr lang="en-US" altLang="ko-KR" dirty="0" err="1"/>
+            <a:rPr lang="en-US" altLang="ko-KR" sz="1400" dirty="0" err="1"/>
             <a:t>WiFi</a:t>
           </a:r>
           <a:r>
-            <a:rPr lang="en-US" altLang="ko-KR" dirty="0"/>
+            <a:rPr lang="en-US" altLang="ko-KR" sz="1400" dirty="0"/>
             <a:t> </a:t>
           </a:r>
           <a:r>
-            <a:rPr lang="ko-KR" altLang="en-US" dirty="0"/>
+            <a:rPr lang="ko-KR" altLang="en-US" sz="1400" dirty="0"/>
             <a:t>접속자수</a:t>
           </a:r>
         </a:p>
@@ -1160,7 +1178,7 @@
       </dgm:t>
     </dgm:pt>
     <dgm:pt modelId="{0F098959-9DA0-445A-B3E2-8A46E6C840E3}">
-      <dgm:prSet phldrT="[텍스트]"/>
+      <dgm:prSet phldrT="[텍스트]" custT="1"/>
       <dgm:spPr/>
       <dgm:t>
         <a:bodyPr/>
@@ -1168,10 +1186,10 @@
         <a:p>
           <a:pPr latinLnBrk="1"/>
           <a:r>
-            <a:rPr lang="ko-KR" altLang="en-US" dirty="0" err="1"/>
+            <a:rPr lang="ko-KR" altLang="en-US" sz="1400" dirty="0" err="1"/>
             <a:t>전처리</a:t>
           </a:r>
-          <a:endParaRPr lang="ko-KR" altLang="en-US" dirty="0"/>
+          <a:endParaRPr lang="ko-KR" altLang="en-US" sz="1400" dirty="0"/>
         </a:p>
       </dgm:t>
     </dgm:pt>
@@ -1200,7 +1218,7 @@
       </dgm:t>
     </dgm:pt>
     <dgm:pt modelId="{D51424BC-8371-4FB2-BCC3-76E25F1AE6F0}">
-      <dgm:prSet phldrT="[텍스트]"/>
+      <dgm:prSet phldrT="[텍스트]" custT="1"/>
       <dgm:spPr/>
       <dgm:t>
         <a:bodyPr/>
@@ -1208,31 +1226,31 @@
         <a:p>
           <a:pPr latinLnBrk="1"/>
           <a:r>
-            <a:rPr lang="ko-KR" altLang="en-US" dirty="0"/>
+            <a:rPr lang="ko-KR" altLang="en-US" sz="1400" dirty="0"/>
             <a:t>지역 데이터 </a:t>
           </a:r>
           <a:r>
-            <a:rPr lang="en-US" altLang="ko-KR" dirty="0"/>
+            <a:rPr lang="en-US" altLang="ko-KR" sz="1400" dirty="0"/>
             <a:t>: </a:t>
           </a:r>
           <a:r>
-            <a:rPr lang="ko-KR" altLang="en-US" dirty="0" err="1"/>
+            <a:rPr lang="ko-KR" altLang="en-US" sz="1400" dirty="0" err="1"/>
             <a:t>사업체수</a:t>
           </a:r>
           <a:r>
-            <a:rPr lang="en-US" altLang="ko-KR" dirty="0"/>
+            <a:rPr lang="en-US" altLang="ko-KR" sz="1400" dirty="0"/>
             <a:t>, </a:t>
           </a:r>
           <a:r>
-            <a:rPr lang="ko-KR" altLang="en-US" dirty="0" err="1"/>
+            <a:rPr lang="ko-KR" altLang="en-US" sz="1400" dirty="0" err="1"/>
             <a:t>주차면수</a:t>
           </a:r>
           <a:r>
-            <a:rPr lang="en-US" altLang="ko-KR" dirty="0"/>
+            <a:rPr lang="en-US" altLang="ko-KR" sz="1400" dirty="0"/>
             <a:t>, </a:t>
           </a:r>
           <a:r>
-            <a:rPr lang="ko-KR" altLang="en-US" dirty="0"/>
+            <a:rPr lang="ko-KR" altLang="en-US" sz="1400" dirty="0"/>
             <a:t>공영주차장 위치</a:t>
           </a:r>
         </a:p>
@@ -1263,7 +1281,7 @@
       </dgm:t>
     </dgm:pt>
     <dgm:pt modelId="{57732041-624E-40D1-AAA3-E0D4492FC935}">
-      <dgm:prSet phldrT="[텍스트]"/>
+      <dgm:prSet phldrT="[텍스트]" custT="1"/>
       <dgm:spPr/>
       <dgm:t>
         <a:bodyPr/>
@@ -1271,8 +1289,8 @@
         <a:p>
           <a:pPr latinLnBrk="1"/>
           <a:r>
-            <a:rPr lang="ko-KR" altLang="en-US" dirty="0"/>
-            <a:t>시각화</a:t>
+            <a:rPr lang="ko-KR" altLang="en-US" sz="1400" dirty="0"/>
+            <a:t>분석결과</a:t>
           </a:r>
         </a:p>
       </dgm:t>
@@ -1302,17 +1320,30 @@
       </dgm:t>
     </dgm:pt>
     <dgm:pt modelId="{A9C38110-F27E-4B35-B148-3AAD0D65A725}">
-      <dgm:prSet phldrT="[텍스트]"/>
+      <dgm:prSet phldrT="[텍스트]" custT="1"/>
       <dgm:spPr/>
       <dgm:t>
         <a:bodyPr/>
         <a:lstStyle/>
         <a:p>
           <a:pPr latinLnBrk="1"/>
+          <a:endParaRPr lang="en-US" altLang="ko-KR" sz="1400" dirty="0"/>
+        </a:p>
+        <a:p>
+          <a:pPr latinLnBrk="1"/>
           <a:r>
-            <a:rPr lang="ko-KR" altLang="en-US" dirty="0"/>
-            <a:t>데이터분석</a:t>
+            <a:rPr lang="ko-KR" altLang="en-US" sz="1400" dirty="0"/>
+            <a:t>데이터</a:t>
           </a:r>
+          <a:endParaRPr lang="en-US" altLang="ko-KR" sz="1400" dirty="0"/>
+        </a:p>
+        <a:p>
+          <a:pPr latinLnBrk="1"/>
+          <a:r>
+            <a:rPr lang="ko-KR" altLang="en-US" sz="1400" dirty="0"/>
+            <a:t>분석</a:t>
+          </a:r>
+          <a:endParaRPr lang="en-US" altLang="ko-KR" sz="1400" dirty="0"/>
         </a:p>
       </dgm:t>
     </dgm:pt>
@@ -1340,8 +1371,8 @@
         </a:p>
       </dgm:t>
     </dgm:pt>
-    <dgm:pt modelId="{361955E0-171D-469A-986F-E14477529A6B}">
-      <dgm:prSet/>
+    <dgm:pt modelId="{AC44E876-E74E-4B5A-B594-A067ED95C10E}">
+      <dgm:prSet custT="1"/>
       <dgm:spPr/>
       <dgm:t>
         <a:bodyPr/>
@@ -1349,89 +1380,9 @@
         <a:p>
           <a:pPr latinLnBrk="1"/>
           <a:r>
-            <a:rPr lang="ko-KR" altLang="en-US"/>
-            <a:t>상관분석</a:t>
-          </a:r>
-        </a:p>
-      </dgm:t>
-    </dgm:pt>
-    <dgm:pt modelId="{9582A429-1780-4993-81C0-1084E2D3255B}" type="parTrans" cxnId="{4BA4BEF2-9E7F-498D-AC25-079BCFF80DBF}">
-      <dgm:prSet/>
-      <dgm:spPr/>
-      <dgm:t>
-        <a:bodyPr/>
-        <a:lstStyle/>
-        <a:p>
-          <a:pPr latinLnBrk="1"/>
-          <a:endParaRPr lang="ko-KR" altLang="en-US"/>
-        </a:p>
-      </dgm:t>
-    </dgm:pt>
-    <dgm:pt modelId="{A7D6CC6D-3B89-4825-8EAE-44604652E71F}" type="sibTrans" cxnId="{4BA4BEF2-9E7F-498D-AC25-079BCFF80DBF}">
-      <dgm:prSet/>
-      <dgm:spPr/>
-      <dgm:t>
-        <a:bodyPr/>
-        <a:lstStyle/>
-        <a:p>
-          <a:pPr latinLnBrk="1"/>
-          <a:endParaRPr lang="ko-KR" altLang="en-US"/>
-        </a:p>
-      </dgm:t>
-    </dgm:pt>
-    <dgm:pt modelId="{E7576712-9E0F-4D97-A594-CF962D85AC63}">
-      <dgm:prSet/>
-      <dgm:spPr/>
-      <dgm:t>
-        <a:bodyPr/>
-        <a:lstStyle/>
-        <a:p>
-          <a:pPr latinLnBrk="1"/>
-          <a:r>
-            <a:rPr lang="ko-KR" altLang="en-US"/>
-            <a:t>군집분석</a:t>
-          </a:r>
-          <a:endParaRPr lang="ko-KR" altLang="en-US" dirty="0"/>
-        </a:p>
-      </dgm:t>
-    </dgm:pt>
-    <dgm:pt modelId="{B56E3FB5-9DF8-46E8-BDC0-A16F00C350EF}" type="parTrans" cxnId="{588DE743-71FD-462B-8D47-848A283C1F16}">
-      <dgm:prSet/>
-      <dgm:spPr/>
-      <dgm:t>
-        <a:bodyPr/>
-        <a:lstStyle/>
-        <a:p>
-          <a:pPr latinLnBrk="1"/>
-          <a:endParaRPr lang="ko-KR" altLang="en-US"/>
-        </a:p>
-      </dgm:t>
-    </dgm:pt>
-    <dgm:pt modelId="{733843EB-9AE9-4D8D-BD33-E7BB7CAD9D8B}" type="sibTrans" cxnId="{588DE743-71FD-462B-8D47-848A283C1F16}">
-      <dgm:prSet/>
-      <dgm:spPr/>
-      <dgm:t>
-        <a:bodyPr/>
-        <a:lstStyle/>
-        <a:p>
-          <a:pPr latinLnBrk="1"/>
-          <a:endParaRPr lang="ko-KR" altLang="en-US"/>
-        </a:p>
-      </dgm:t>
-    </dgm:pt>
-    <dgm:pt modelId="{AC44E876-E74E-4B5A-B594-A067ED95C10E}">
-      <dgm:prSet/>
-      <dgm:spPr/>
-      <dgm:t>
-        <a:bodyPr/>
-        <a:lstStyle/>
-        <a:p>
-          <a:pPr latinLnBrk="1"/>
-          <a:r>
-            <a:rPr lang="ko-KR" altLang="en-US"/>
+            <a:rPr lang="ko-KR" altLang="en-US" sz="1400" dirty="0"/>
             <a:t>회귀분석</a:t>
           </a:r>
-          <a:endParaRPr lang="ko-KR" altLang="en-US" dirty="0"/>
         </a:p>
       </dgm:t>
     </dgm:pt>
@@ -1460,7 +1411,7 @@
       </dgm:t>
     </dgm:pt>
     <dgm:pt modelId="{6FAFB934-6BB7-478B-9334-AA36649BF58E}">
-      <dgm:prSet/>
+      <dgm:prSet custT="1"/>
       <dgm:spPr/>
       <dgm:t>
         <a:bodyPr/>
@@ -1468,39 +1419,39 @@
         <a:p>
           <a:pPr latinLnBrk="1"/>
           <a:r>
-            <a:rPr lang="ko-KR" altLang="en-US" dirty="0"/>
+            <a:rPr lang="ko-KR" altLang="en-US" sz="1400" dirty="0"/>
             <a:t>인구데이터 </a:t>
           </a:r>
           <a:r>
-            <a:rPr lang="en-US" altLang="ko-KR" dirty="0"/>
+            <a:rPr lang="en-US" altLang="ko-KR" sz="1400" dirty="0"/>
             <a:t>: </a:t>
           </a:r>
           <a:r>
-            <a:rPr lang="ko-KR" altLang="en-US" dirty="0"/>
+            <a:rPr lang="ko-KR" altLang="en-US" sz="1400" dirty="0"/>
             <a:t>카드이용건수</a:t>
           </a:r>
           <a:r>
-            <a:rPr lang="en-US" altLang="ko-KR" dirty="0"/>
+            <a:rPr lang="en-US" altLang="ko-KR" sz="1400" dirty="0"/>
             <a:t>, </a:t>
           </a:r>
           <a:r>
-            <a:rPr lang="ko-KR" altLang="en-US" dirty="0"/>
+            <a:rPr lang="ko-KR" altLang="en-US" sz="1400" dirty="0"/>
             <a:t>유동인구</a:t>
           </a:r>
           <a:r>
-            <a:rPr lang="en-US" altLang="ko-KR" dirty="0"/>
+            <a:rPr lang="en-US" altLang="ko-KR" sz="1400" dirty="0"/>
             <a:t>, </a:t>
           </a:r>
           <a:r>
-            <a:rPr lang="en-US" altLang="ko-KR" dirty="0" err="1"/>
+            <a:rPr lang="en-US" altLang="ko-KR" sz="1400" dirty="0" err="1"/>
             <a:t>WiFi</a:t>
           </a:r>
           <a:r>
-            <a:rPr lang="en-US" altLang="ko-KR" dirty="0"/>
+            <a:rPr lang="en-US" altLang="ko-KR" sz="1400" dirty="0"/>
             <a:t> </a:t>
           </a:r>
           <a:r>
-            <a:rPr lang="ko-KR" altLang="en-US" dirty="0"/>
+            <a:rPr lang="ko-KR" altLang="en-US" sz="1400" dirty="0"/>
             <a:t>접속자수</a:t>
           </a:r>
         </a:p>
@@ -1531,7 +1482,7 @@
       </dgm:t>
     </dgm:pt>
     <dgm:pt modelId="{B30E7709-D0A3-4F13-97D2-621A557B3428}">
-      <dgm:prSet/>
+      <dgm:prSet custT="1"/>
       <dgm:spPr/>
       <dgm:t>
         <a:bodyPr/>
@@ -1542,7 +1493,7 @@
             <a:buChar char="•"/>
           </a:pPr>
           <a:r>
-            <a:rPr lang="en-US" altLang="ko-KR">
+            <a:rPr lang="en-US" altLang="ko-KR" sz="1400" dirty="0">
               <a:ln>
                 <a:solidFill>
                   <a:srgbClr val="4F81BD">
@@ -1561,7 +1512,7 @@
             <a:t>QGIS </a:t>
           </a:r>
           <a:r>
-            <a:rPr lang="ko-KR" altLang="en-US">
+            <a:rPr lang="ko-KR" altLang="en-US" sz="1400" dirty="0">
               <a:ln>
                 <a:solidFill>
                   <a:srgbClr val="4F81BD">
@@ -1579,7 +1530,7 @@
             </a:rPr>
             <a:t>시각화</a:t>
           </a:r>
-          <a:endParaRPr lang="ko-KR" altLang="en-US"/>
+          <a:endParaRPr lang="ko-KR" altLang="en-US" sz="1400" dirty="0"/>
         </a:p>
       </dgm:t>
     </dgm:pt>
@@ -1607,6 +1558,84 @@
         </a:p>
       </dgm:t>
     </dgm:pt>
+    <dgm:pt modelId="{375F0A4A-FDF8-45A0-8410-D6768BC61BF6}">
+      <dgm:prSet custT="1"/>
+      <dgm:spPr/>
+      <dgm:t>
+        <a:bodyPr/>
+        <a:lstStyle/>
+        <a:p>
+          <a:pPr latinLnBrk="1"/>
+          <a:r>
+            <a:rPr lang="ko-KR" altLang="en-US" sz="1400" dirty="0"/>
+            <a:t>상관분석</a:t>
+          </a:r>
+        </a:p>
+      </dgm:t>
+    </dgm:pt>
+    <dgm:pt modelId="{34339920-7D91-45E7-97BB-2E116C50E0F8}" type="parTrans" cxnId="{5628A014-02C9-48CD-A127-E477F27E7AB5}">
+      <dgm:prSet/>
+      <dgm:spPr/>
+      <dgm:t>
+        <a:bodyPr/>
+        <a:lstStyle/>
+        <a:p>
+          <a:pPr latinLnBrk="1"/>
+          <a:endParaRPr lang="ko-KR" altLang="en-US"/>
+        </a:p>
+      </dgm:t>
+    </dgm:pt>
+    <dgm:pt modelId="{CEEE225E-55AD-43FD-B71E-F1D289DA93AC}" type="sibTrans" cxnId="{5628A014-02C9-48CD-A127-E477F27E7AB5}">
+      <dgm:prSet/>
+      <dgm:spPr/>
+      <dgm:t>
+        <a:bodyPr/>
+        <a:lstStyle/>
+        <a:p>
+          <a:pPr latinLnBrk="1"/>
+          <a:endParaRPr lang="ko-KR" altLang="en-US"/>
+        </a:p>
+      </dgm:t>
+    </dgm:pt>
+    <dgm:pt modelId="{E7576712-9E0F-4D97-A594-CF962D85AC63}">
+      <dgm:prSet custT="1"/>
+      <dgm:spPr/>
+      <dgm:t>
+        <a:bodyPr/>
+        <a:lstStyle/>
+        <a:p>
+          <a:pPr latinLnBrk="1"/>
+          <a:r>
+            <a:rPr lang="ko-KR" altLang="en-US" sz="1400" dirty="0"/>
+            <a:t>군집분석</a:t>
+          </a:r>
+        </a:p>
+      </dgm:t>
+    </dgm:pt>
+    <dgm:pt modelId="{733843EB-9AE9-4D8D-BD33-E7BB7CAD9D8B}" type="sibTrans" cxnId="{588DE743-71FD-462B-8D47-848A283C1F16}">
+      <dgm:prSet/>
+      <dgm:spPr/>
+      <dgm:t>
+        <a:bodyPr/>
+        <a:lstStyle/>
+        <a:p>
+          <a:pPr latinLnBrk="1"/>
+          <a:endParaRPr lang="ko-KR" altLang="en-US"/>
+        </a:p>
+      </dgm:t>
+    </dgm:pt>
+    <dgm:pt modelId="{B56E3FB5-9DF8-46E8-BDC0-A16F00C350EF}" type="parTrans" cxnId="{588DE743-71FD-462B-8D47-848A283C1F16}">
+      <dgm:prSet/>
+      <dgm:spPr/>
+      <dgm:t>
+        <a:bodyPr/>
+        <a:lstStyle/>
+        <a:p>
+          <a:pPr latinLnBrk="1"/>
+          <a:endParaRPr lang="ko-KR" altLang="en-US"/>
+        </a:p>
+      </dgm:t>
+    </dgm:pt>
     <dgm:pt modelId="{E4779DFC-2085-4829-A1F9-029968C01926}" type="pres">
       <dgm:prSet presAssocID="{0BC775D4-28A0-4E7C-8227-8EA83FBB130F}" presName="linearFlow" presStyleCnt="0">
         <dgm:presLayoutVars>
@@ -1622,7 +1651,7 @@
       <dgm:spPr/>
     </dgm:pt>
     <dgm:pt modelId="{7770F073-EC84-465F-965A-9F8E9AC98D97}" type="pres">
-      <dgm:prSet presAssocID="{9CACE5BB-AD0B-40F1-848F-CCD921284259}" presName="parentText" presStyleLbl="alignNode1" presStyleIdx="0" presStyleCnt="5">
+      <dgm:prSet presAssocID="{9CACE5BB-AD0B-40F1-848F-CCD921284259}" presName="parentText" presStyleLbl="alignNode1" presStyleIdx="0" presStyleCnt="5" custLinFactNeighborX="-40705" custLinFactNeighborY="-1676">
         <dgm:presLayoutVars>
           <dgm:chMax val="1"/>
           <dgm:bulletEnabled val="1"/>
@@ -1631,7 +1660,7 @@
       <dgm:spPr/>
     </dgm:pt>
     <dgm:pt modelId="{946008A5-B941-42E4-A57E-AF4505B7F1FC}" type="pres">
-      <dgm:prSet presAssocID="{9CACE5BB-AD0B-40F1-848F-CCD921284259}" presName="descendantText" presStyleLbl="alignAcc1" presStyleIdx="0" presStyleCnt="5" custLinFactNeighborY="2146">
+      <dgm:prSet presAssocID="{9CACE5BB-AD0B-40F1-848F-CCD921284259}" presName="descendantText" presStyleLbl="alignAcc1" presStyleIdx="0" presStyleCnt="5" custAng="0" custScaleY="116096" custLinFactNeighborY="2146">
         <dgm:presLayoutVars>
           <dgm:bulletEnabled val="1"/>
         </dgm:presLayoutVars>
@@ -1656,7 +1685,7 @@
       <dgm:spPr/>
     </dgm:pt>
     <dgm:pt modelId="{64B9E3E9-CF8A-45EC-A06B-263E0894C7D9}" type="pres">
-      <dgm:prSet presAssocID="{F4590578-142D-41F2-92E1-9820ECB8F6BB}" presName="descendantText" presStyleLbl="alignAcc1" presStyleIdx="1" presStyleCnt="5">
+      <dgm:prSet presAssocID="{F4590578-142D-41F2-92E1-9820ECB8F6BB}" presName="descendantText" presStyleLbl="alignAcc1" presStyleIdx="1" presStyleCnt="5" custScaleY="129619">
         <dgm:presLayoutVars>
           <dgm:bulletEnabled val="1"/>
         </dgm:presLayoutVars>
@@ -1681,7 +1710,7 @@
       <dgm:spPr/>
     </dgm:pt>
     <dgm:pt modelId="{F053A267-E2C0-4B83-813B-DC8ED434C1DB}" type="pres">
-      <dgm:prSet presAssocID="{0F098959-9DA0-445A-B3E2-8A46E6C840E3}" presName="descendantText" presStyleLbl="alignAcc1" presStyleIdx="2" presStyleCnt="5">
+      <dgm:prSet presAssocID="{0F098959-9DA0-445A-B3E2-8A46E6C840E3}" presName="descendantText" presStyleLbl="alignAcc1" presStyleIdx="2" presStyleCnt="5" custScaleY="130536">
         <dgm:presLayoutVars>
           <dgm:bulletEnabled val="1"/>
         </dgm:presLayoutVars>
@@ -1697,7 +1726,7 @@
       <dgm:spPr/>
     </dgm:pt>
     <dgm:pt modelId="{D114AE6B-BB23-4757-8651-62C12EFCF62D}" type="pres">
-      <dgm:prSet presAssocID="{A9C38110-F27E-4B35-B148-3AAD0D65A725}" presName="parentText" presStyleLbl="alignNode1" presStyleIdx="3" presStyleCnt="5">
+      <dgm:prSet presAssocID="{A9C38110-F27E-4B35-B148-3AAD0D65A725}" presName="parentText" presStyleLbl="alignNode1" presStyleIdx="3" presStyleCnt="5" custLinFactNeighborY="-6014">
         <dgm:presLayoutVars>
           <dgm:chMax val="1"/>
           <dgm:bulletEnabled val="1"/>
@@ -1706,7 +1735,7 @@
       <dgm:spPr/>
     </dgm:pt>
     <dgm:pt modelId="{90DBB2C6-3124-48D6-9871-ABAA0007EFD3}" type="pres">
-      <dgm:prSet presAssocID="{A9C38110-F27E-4B35-B148-3AAD0D65A725}" presName="descendantText" presStyleLbl="alignAcc1" presStyleIdx="3" presStyleCnt="5">
+      <dgm:prSet presAssocID="{A9C38110-F27E-4B35-B148-3AAD0D65A725}" presName="descendantText" presStyleLbl="alignAcc1" presStyleIdx="3" presStyleCnt="5" custScaleY="137909" custLinFactNeighborX="147">
         <dgm:presLayoutVars>
           <dgm:bulletEnabled val="1"/>
         </dgm:presLayoutVars>
@@ -1731,7 +1760,7 @@
       <dgm:spPr/>
     </dgm:pt>
     <dgm:pt modelId="{DB3A236D-28E8-4666-9501-E8B618CC19DD}" type="pres">
-      <dgm:prSet presAssocID="{57732041-624E-40D1-AAA3-E0D4492FC935}" presName="descendantText" presStyleLbl="alignAcc1" presStyleIdx="4" presStyleCnt="5">
+      <dgm:prSet presAssocID="{57732041-624E-40D1-AAA3-E0D4492FC935}" presName="descendantText" presStyleLbl="alignAcc1" presStyleIdx="4" presStyleCnt="5" custScaleY="146828">
         <dgm:presLayoutVars>
           <dgm:bulletEnabled val="1"/>
         </dgm:presLayoutVars>
@@ -1741,11 +1770,11 @@
   </dgm:ptLst>
   <dgm:cxnLst>
     <dgm:cxn modelId="{97AE8703-937A-48BD-9572-455629674762}" srcId="{A9C38110-F27E-4B35-B148-3AAD0D65A725}" destId="{AC44E876-E74E-4B5A-B594-A067ED95C10E}" srcOrd="2" destOrd="0" parTransId="{78496DFF-EFB1-4DA7-9067-A1A7199FD30E}" sibTransId="{FAECE69A-124C-4A58-87F4-9EAFE0EE209C}"/>
+    <dgm:cxn modelId="{5628A014-02C9-48CD-A127-E477F27E7AB5}" srcId="{A9C38110-F27E-4B35-B148-3AAD0D65A725}" destId="{375F0A4A-FDF8-45A0-8410-D6768BC61BF6}" srcOrd="0" destOrd="0" parTransId="{34339920-7D91-45E7-97BB-2E116C50E0F8}" sibTransId="{CEEE225E-55AD-43FD-B71E-F1D289DA93AC}"/>
     <dgm:cxn modelId="{FDFB6719-8DD2-4956-AEFD-8D1DE6923675}" type="presOf" srcId="{6FAFB934-6BB7-478B-9334-AA36649BF58E}" destId="{F053A267-E2C0-4B83-813B-DC8ED434C1DB}" srcOrd="0" destOrd="1" presId="urn:microsoft.com/office/officeart/2005/8/layout/chevron2"/>
     <dgm:cxn modelId="{153F9519-EB67-40DD-B405-8382AED3B42C}" srcId="{0BC775D4-28A0-4E7C-8227-8EA83FBB130F}" destId="{F4590578-142D-41F2-92E1-9820ECB8F6BB}" srcOrd="1" destOrd="0" parTransId="{C6EC19C7-1F62-4E85-BC10-E23ED1501647}" sibTransId="{18828B6F-431B-4D66-9672-542402172F22}"/>
     <dgm:cxn modelId="{28EA5F2A-1282-48FB-9DED-3C9867FDE15D}" type="presOf" srcId="{B30E7709-D0A3-4F13-97D2-621A557B3428}" destId="{DB3A236D-28E8-4666-9501-E8B618CC19DD}" srcOrd="0" destOrd="0" presId="urn:microsoft.com/office/officeart/2005/8/layout/chevron2"/>
     <dgm:cxn modelId="{7220AD2B-6DDE-4DF1-90A8-EF56410B27B4}" srcId="{0BC775D4-28A0-4E7C-8227-8EA83FBB130F}" destId="{9CACE5BB-AD0B-40F1-848F-CCD921284259}" srcOrd="0" destOrd="0" parTransId="{BA466817-6787-4902-8A64-978D44F251FC}" sibTransId="{6658BA47-D4A4-4B02-B84D-6F9A429A9568}"/>
-    <dgm:cxn modelId="{B42A2830-BCFF-4932-BDAD-5818A6615405}" type="presOf" srcId="{361955E0-171D-469A-986F-E14477529A6B}" destId="{90DBB2C6-3124-48D6-9871-ABAA0007EFD3}" srcOrd="0" destOrd="0" presId="urn:microsoft.com/office/officeart/2005/8/layout/chevron2"/>
     <dgm:cxn modelId="{DA2A2035-F16C-4FEE-A85D-14A21909976A}" type="presOf" srcId="{9CACE5BB-AD0B-40F1-848F-CCD921284259}" destId="{7770F073-EC84-465F-965A-9F8E9AC98D97}" srcOrd="0" destOrd="0" presId="urn:microsoft.com/office/officeart/2005/8/layout/chevron2"/>
     <dgm:cxn modelId="{1F953337-6D33-4604-86C5-A94A819F49D8}" type="presOf" srcId="{3262201D-61B5-49E8-AB8E-D603F5DCEBF5}" destId="{946008A5-B941-42E4-A57E-AF4505B7F1FC}" srcOrd="0" destOrd="1" presId="urn:microsoft.com/office/officeart/2005/8/layout/chevron2"/>
     <dgm:cxn modelId="{CB1CE240-1827-4831-B869-1192E8F19BF0}" srcId="{9CACE5BB-AD0B-40F1-848F-CCD921284259}" destId="{3262201D-61B5-49E8-AB8E-D603F5DCEBF5}" srcOrd="1" destOrd="0" parTransId="{82201CEF-D9E7-4798-95A1-FC2C86C22E17}" sibTransId="{67661A4C-C348-47A7-8C56-0ED27C3F0BAD}"/>
@@ -1757,6 +1786,7 @@
     <dgm:cxn modelId="{05B5806D-40D7-476E-91CD-34211F8CB9A5}" type="presOf" srcId="{DCFE370C-CFF6-456F-A35C-D35DE76D3A68}" destId="{64B9E3E9-CF8A-45EC-A06B-263E0894C7D9}" srcOrd="0" destOrd="0" presId="urn:microsoft.com/office/officeart/2005/8/layout/chevron2"/>
     <dgm:cxn modelId="{58CABA74-FFC3-4B2D-A966-BC983194A28F}" srcId="{F4590578-142D-41F2-92E1-9820ECB8F6BB}" destId="{46DC4ECB-5640-490D-8EE6-263075F067B6}" srcOrd="1" destOrd="0" parTransId="{781B8167-672F-41BE-B4EE-F293E020ED5B}" sibTransId="{84E5E75D-0C2B-4AFB-AD27-954BDE060B0E}"/>
     <dgm:cxn modelId="{16EBB57E-09B1-4B90-AA18-D7634BE26692}" srcId="{0BC775D4-28A0-4E7C-8227-8EA83FBB130F}" destId="{A9C38110-F27E-4B35-B148-3AAD0D65A725}" srcOrd="3" destOrd="0" parTransId="{37499A91-0C6C-4A7D-B9B1-CE0C6F852E3A}" sibTransId="{E4071A78-3579-4BA2-B43E-3B10FBB02D32}"/>
+    <dgm:cxn modelId="{3FB88C86-63E8-4FCD-9295-14632EBB2806}" type="presOf" srcId="{375F0A4A-FDF8-45A0-8410-D6768BC61BF6}" destId="{90DBB2C6-3124-48D6-9871-ABAA0007EFD3}" srcOrd="0" destOrd="0" presId="urn:microsoft.com/office/officeart/2005/8/layout/chevron2"/>
     <dgm:cxn modelId="{83E20D97-F1BE-4A67-A253-085DD1FA75FA}" type="presOf" srcId="{AC44E876-E74E-4B5A-B594-A067ED95C10E}" destId="{90DBB2C6-3124-48D6-9871-ABAA0007EFD3}" srcOrd="0" destOrd="2" presId="urn:microsoft.com/office/officeart/2005/8/layout/chevron2"/>
     <dgm:cxn modelId="{4B84219A-F27E-4F27-ACB1-F104C1CD3A26}" srcId="{9CACE5BB-AD0B-40F1-848F-CCD921284259}" destId="{78F7FD1D-5553-46E0-9607-478370B6DF4A}" srcOrd="0" destOrd="0" parTransId="{6F67B518-77E2-498C-B85B-F6661F74E4FA}" sibTransId="{1BD47913-33D2-4EC8-9F51-B6723B112138}"/>
     <dgm:cxn modelId="{FCF0A69D-84D0-49C4-A9DB-1602F90EA21C}" srcId="{57732041-624E-40D1-AAA3-E0D4492FC935}" destId="{B30E7709-D0A3-4F13-97D2-621A557B3428}" srcOrd="0" destOrd="0" parTransId="{B99ACE79-405C-49F4-A18B-5B5392A636FB}" sibTransId="{82193CE3-E5C9-4145-8ED7-5FE183EC1595}"/>
@@ -1769,7 +1799,6 @@
     <dgm:cxn modelId="{FB1615D2-E9CD-4357-ABC4-38FFAC9ADF75}" type="presOf" srcId="{0F098959-9DA0-445A-B3E2-8A46E6C840E3}" destId="{63F460C3-E67A-42AF-A348-7A5D8EBF3BBF}" srcOrd="0" destOrd="0" presId="urn:microsoft.com/office/officeart/2005/8/layout/chevron2"/>
     <dgm:cxn modelId="{B633B0D5-6F28-4F5E-B9D7-9CE02F909A47}" srcId="{0BC775D4-28A0-4E7C-8227-8EA83FBB130F}" destId="{0F098959-9DA0-445A-B3E2-8A46E6C840E3}" srcOrd="2" destOrd="0" parTransId="{BA3A284E-A8B8-4214-9810-73B6ABDB74C3}" sibTransId="{23ED4923-AC6B-4420-8375-35CCE9BF0FB9}"/>
     <dgm:cxn modelId="{E9BF0AEB-FE2D-4F1A-878F-AAAA4CDA18BF}" type="presOf" srcId="{D51424BC-8371-4FB2-BCC3-76E25F1AE6F0}" destId="{F053A267-E2C0-4B83-813B-DC8ED434C1DB}" srcOrd="0" destOrd="0" presId="urn:microsoft.com/office/officeart/2005/8/layout/chevron2"/>
-    <dgm:cxn modelId="{4BA4BEF2-9E7F-498D-AC25-079BCFF80DBF}" srcId="{A9C38110-F27E-4B35-B148-3AAD0D65A725}" destId="{361955E0-171D-469A-986F-E14477529A6B}" srcOrd="0" destOrd="0" parTransId="{9582A429-1780-4993-81C0-1084E2D3255B}" sibTransId="{A7D6CC6D-3B89-4825-8EAE-44604652E71F}"/>
     <dgm:cxn modelId="{3912D9FA-4392-40D0-8AA6-C8EB7633A55A}" srcId="{0F098959-9DA0-445A-B3E2-8A46E6C840E3}" destId="{D51424BC-8371-4FB2-BCC3-76E25F1AE6F0}" srcOrd="0" destOrd="0" parTransId="{2783CF8D-34A1-4EA0-A43F-FC9196CBFC09}" sibTransId="{9DA5077C-F407-491A-BBF5-1D2BC6F63B5B}"/>
     <dgm:cxn modelId="{BF3514B6-6F51-4FFD-B08C-34D9AF8F2561}" type="presParOf" srcId="{E4779DFC-2085-4829-A1F9-029968C01926}" destId="{95F9886E-B340-4B78-8140-9A20E662B86B}" srcOrd="0" destOrd="0" presId="urn:microsoft.com/office/officeart/2005/8/layout/chevron2"/>
     <dgm:cxn modelId="{A7D449AD-0B52-4016-999C-AE550845810B}" type="presParOf" srcId="{95F9886E-B340-4B78-8140-9A20E662B86B}" destId="{7770F073-EC84-465F-965A-9F8E9AC98D97}" srcOrd="0" destOrd="0" presId="urn:microsoft.com/office/officeart/2005/8/layout/chevron2"/>
@@ -1816,8 +1845,181 @@
       </dsp:nvSpPr>
       <dsp:spPr>
         <a:xfrm rot="5400000">
-          <a:off x="-180801" y="180925"/>
-          <a:ext cx="1205340" cy="843738"/>
+          <a:off x="-158901" y="245881"/>
+          <a:ext cx="1059340" cy="741538"/>
+        </a:xfrm>
+        <a:prstGeom prst="chevron">
+          <a:avLst/>
+        </a:prstGeom>
+        <a:solidFill>
+          <a:schemeClr val="accent1">
+            <a:hueOff val="0"/>
+            <a:satOff val="0"/>
+            <a:lumOff val="0"/>
+            <a:alphaOff val="0"/>
+          </a:schemeClr>
+        </a:solidFill>
+        <a:ln w="12700" cap="flat" cmpd="sng" algn="ctr">
+          <a:solidFill>
+            <a:schemeClr val="accent1">
+              <a:hueOff val="0"/>
+              <a:satOff val="0"/>
+              <a:lumOff val="0"/>
+              <a:alphaOff val="0"/>
+            </a:schemeClr>
+          </a:solidFill>
+          <a:prstDash val="solid"/>
+          <a:miter lim="800000"/>
+        </a:ln>
+        <a:effectLst/>
+      </dsp:spPr>
+      <dsp:style>
+        <a:lnRef idx="2">
+          <a:scrgbClr r="0" g="0" b="0"/>
+        </a:lnRef>
+        <a:fillRef idx="1">
+          <a:scrgbClr r="0" g="0" b="0"/>
+        </a:fillRef>
+        <a:effectRef idx="0">
+          <a:scrgbClr r="0" g="0" b="0"/>
+        </a:effectRef>
+        <a:fontRef idx="minor">
+          <a:schemeClr val="lt1"/>
+        </a:fontRef>
+      </dsp:style>
+      <dsp:txBody>
+        <a:bodyPr spcFirstLastPara="0" vert="horz" wrap="square" lIns="8890" tIns="8890" rIns="8890" bIns="8890" numCol="1" spcCol="1270" anchor="ctr" anchorCtr="0">
+          <a:noAutofit/>
+        </a:bodyPr>
+        <a:lstStyle/>
+        <a:p>
+          <a:pPr marL="0" lvl="0" indent="0" algn="ctr" defTabSz="622300" latinLnBrk="1">
+            <a:lnSpc>
+              <a:spcPct val="90000"/>
+            </a:lnSpc>
+            <a:spcBef>
+              <a:spcPct val="0"/>
+            </a:spcBef>
+            <a:spcAft>
+              <a:spcPct val="35000"/>
+            </a:spcAft>
+            <a:buNone/>
+          </a:pPr>
+          <a:r>
+            <a:rPr lang="ko-KR" altLang="en-US" sz="1400" kern="1200" dirty="0"/>
+            <a:t>현황분석</a:t>
+          </a:r>
+        </a:p>
+      </dsp:txBody>
+      <dsp:txXfrm rot="-5400000">
+        <a:off x="0" y="457749"/>
+        <a:ext cx="741538" cy="317802"/>
+      </dsp:txXfrm>
+    </dsp:sp>
+    <dsp:sp modelId="{946008A5-B941-42E4-A57E-AF4505B7F1FC}">
+      <dsp:nvSpPr>
+        <dsp:cNvPr id="0" name=""/>
+        <dsp:cNvSpPr/>
+      </dsp:nvSpPr>
+      <dsp:spPr>
+        <a:xfrm rot="5400000">
+          <a:off x="3361372" y="-2555738"/>
+          <a:ext cx="799403" cy="6039072"/>
+        </a:xfrm>
+        <a:prstGeom prst="round2SameRect">
+          <a:avLst/>
+        </a:prstGeom>
+        <a:solidFill>
+          <a:schemeClr val="lt1">
+            <a:alpha val="90000"/>
+            <a:hueOff val="0"/>
+            <a:satOff val="0"/>
+            <a:lumOff val="0"/>
+            <a:alphaOff val="0"/>
+          </a:schemeClr>
+        </a:solidFill>
+        <a:ln w="12700" cap="flat" cmpd="sng" algn="ctr">
+          <a:solidFill>
+            <a:schemeClr val="accent1">
+              <a:hueOff val="0"/>
+              <a:satOff val="0"/>
+              <a:lumOff val="0"/>
+              <a:alphaOff val="0"/>
+            </a:schemeClr>
+          </a:solidFill>
+          <a:prstDash val="solid"/>
+          <a:miter lim="800000"/>
+        </a:ln>
+        <a:effectLst/>
+      </dsp:spPr>
+      <dsp:style>
+        <a:lnRef idx="2">
+          <a:scrgbClr r="0" g="0" b="0"/>
+        </a:lnRef>
+        <a:fillRef idx="1">
+          <a:scrgbClr r="0" g="0" b="0"/>
+        </a:fillRef>
+        <a:effectRef idx="0">
+          <a:scrgbClr r="0" g="0" b="0"/>
+        </a:effectRef>
+        <a:fontRef idx="minor"/>
+      </dsp:style>
+      <dsp:txBody>
+        <a:bodyPr spcFirstLastPara="0" vert="horz" wrap="square" lIns="99568" tIns="8890" rIns="8890" bIns="8890" numCol="1" spcCol="1270" anchor="ctr" anchorCtr="0">
+          <a:noAutofit/>
+        </a:bodyPr>
+        <a:lstStyle/>
+        <a:p>
+          <a:pPr marL="114300" lvl="1" indent="-114300" algn="l" defTabSz="622300" latinLnBrk="1">
+            <a:lnSpc>
+              <a:spcPct val="90000"/>
+            </a:lnSpc>
+            <a:spcBef>
+              <a:spcPct val="0"/>
+            </a:spcBef>
+            <a:spcAft>
+              <a:spcPct val="15000"/>
+            </a:spcAft>
+            <a:buChar char="•"/>
+          </a:pPr>
+          <a:r>
+            <a:rPr lang="ko-KR" altLang="en-US" sz="1400" kern="1200" dirty="0"/>
+            <a:t>주차시설 현황조사</a:t>
+          </a:r>
+        </a:p>
+        <a:p>
+          <a:pPr marL="114300" lvl="1" indent="-114300" algn="l" defTabSz="622300" latinLnBrk="1">
+            <a:lnSpc>
+              <a:spcPct val="90000"/>
+            </a:lnSpc>
+            <a:spcBef>
+              <a:spcPct val="0"/>
+            </a:spcBef>
+            <a:spcAft>
+              <a:spcPct val="15000"/>
+            </a:spcAft>
+            <a:buChar char="•"/>
+          </a:pPr>
+          <a:r>
+            <a:rPr lang="ko-KR" altLang="en-US" sz="1400" kern="1200" dirty="0"/>
+            <a:t>주차 만족도 작성</a:t>
+          </a:r>
+        </a:p>
+      </dsp:txBody>
+      <dsp:txXfrm rot="-5400000">
+        <a:off x="741538" y="103120"/>
+        <a:ext cx="6000048" cy="721355"/>
+      </dsp:txXfrm>
+    </dsp:sp>
+    <dsp:sp modelId="{ADE83FAD-A61D-4E52-9B3E-A4E7F4F981D6}">
+      <dsp:nvSpPr>
+        <dsp:cNvPr id="0" name=""/>
+        <dsp:cNvSpPr/>
+      </dsp:nvSpPr>
+      <dsp:spPr>
+        <a:xfrm rot="5400000">
+          <a:off x="-158901" y="1322571"/>
+          <a:ext cx="1059340" cy="741538"/>
         </a:xfrm>
         <a:prstGeom prst="chevron">
           <a:avLst/>
@@ -1876,26 +2078,60 @@
             </a:spcAft>
             <a:buNone/>
           </a:pPr>
+          <a:endParaRPr lang="en-US" altLang="ko-KR" sz="1300" kern="1200" dirty="0"/>
+        </a:p>
+        <a:p>
+          <a:pPr marL="0" lvl="0" indent="0" algn="ctr" defTabSz="577850" latinLnBrk="1">
+            <a:lnSpc>
+              <a:spcPct val="90000"/>
+            </a:lnSpc>
+            <a:spcBef>
+              <a:spcPct val="0"/>
+            </a:spcBef>
+            <a:spcAft>
+              <a:spcPct val="35000"/>
+            </a:spcAft>
+            <a:buNone/>
+          </a:pPr>
           <a:r>
             <a:rPr lang="ko-KR" altLang="en-US" sz="1300" kern="1200" dirty="0"/>
-            <a:t>현황분석</a:t>
+            <a:t>데이터</a:t>
+          </a:r>
+          <a:endParaRPr lang="en-US" altLang="ko-KR" sz="1300" kern="1200" dirty="0"/>
+        </a:p>
+        <a:p>
+          <a:pPr marL="0" lvl="0" indent="0" algn="ctr" defTabSz="577850" latinLnBrk="1">
+            <a:lnSpc>
+              <a:spcPct val="90000"/>
+            </a:lnSpc>
+            <a:spcBef>
+              <a:spcPct val="0"/>
+            </a:spcBef>
+            <a:spcAft>
+              <a:spcPct val="35000"/>
+            </a:spcAft>
+            <a:buNone/>
+          </a:pPr>
+          <a:r>
+            <a:rPr lang="ko-KR" altLang="en-US" sz="1300" kern="1200" dirty="0"/>
+            <a:t>수집</a:t>
           </a:r>
         </a:p>
       </dsp:txBody>
       <dsp:txXfrm rot="-5400000">
-        <a:off x="0" y="421993"/>
-        <a:ext cx="843738" cy="361602"/>
+        <a:off x="0" y="1534439"/>
+        <a:ext cx="741538" cy="317802"/>
       </dsp:txXfrm>
     </dsp:sp>
-    <dsp:sp modelId="{946008A5-B941-42E4-A57E-AF4505B7F1FC}">
+    <dsp:sp modelId="{64B9E3E9-CF8A-45EC-A06B-263E0894C7D9}">
       <dsp:nvSpPr>
         <dsp:cNvPr id="0" name=""/>
         <dsp:cNvSpPr/>
       </dsp:nvSpPr>
       <dsp:spPr>
         <a:xfrm rot="5400000">
-          <a:off x="2239709" y="-1379033"/>
-          <a:ext cx="783471" cy="3575412"/>
+          <a:off x="3314580" y="-1511398"/>
+          <a:ext cx="892988" cy="6039072"/>
         </a:xfrm>
         <a:prstGeom prst="round2SameRect">
           <a:avLst/>
@@ -1936,12 +2172,12 @@
         <a:fontRef idx="minor"/>
       </dsp:style>
       <dsp:txBody>
-        <a:bodyPr spcFirstLastPara="0" vert="horz" wrap="square" lIns="71120" tIns="6350" rIns="6350" bIns="6350" numCol="1" spcCol="1270" anchor="ctr" anchorCtr="0">
+        <a:bodyPr spcFirstLastPara="0" vert="horz" wrap="square" lIns="99568" tIns="8890" rIns="8890" bIns="8890" numCol="1" spcCol="1270" anchor="ctr" anchorCtr="0">
           <a:noAutofit/>
         </a:bodyPr>
         <a:lstStyle/>
         <a:p>
-          <a:pPr marL="57150" lvl="1" indent="-57150" algn="l" defTabSz="444500" latinLnBrk="1">
+          <a:pPr marL="114300" lvl="1" indent="-114300" algn="l" defTabSz="622300" latinLnBrk="1">
             <a:lnSpc>
               <a:spcPct val="90000"/>
             </a:lnSpc>
@@ -1954,12 +2190,36 @@
             <a:buChar char="•"/>
           </a:pPr>
           <a:r>
-            <a:rPr lang="ko-KR" altLang="en-US" sz="1000" kern="1200" dirty="0"/>
-            <a:t>주차시설 현황조사</a:t>
+            <a:rPr lang="ko-KR" altLang="en-US" sz="1400" kern="1200" dirty="0"/>
+            <a:t>지역 데이터 </a:t>
+          </a:r>
+          <a:r>
+            <a:rPr lang="en-US" altLang="ko-KR" sz="1400" kern="1200" dirty="0"/>
+            <a:t>: </a:t>
+          </a:r>
+          <a:r>
+            <a:rPr lang="ko-KR" altLang="en-US" sz="1400" kern="1200" dirty="0" err="1"/>
+            <a:t>사업체수</a:t>
+          </a:r>
+          <a:r>
+            <a:rPr lang="en-US" altLang="ko-KR" sz="1400" kern="1200" dirty="0"/>
+            <a:t>, </a:t>
+          </a:r>
+          <a:r>
+            <a:rPr lang="ko-KR" altLang="en-US" sz="1400" kern="1200" dirty="0" err="1"/>
+            <a:t>주차면수</a:t>
+          </a:r>
+          <a:r>
+            <a:rPr lang="en-US" altLang="ko-KR" sz="1400" kern="1200" dirty="0"/>
+            <a:t>, </a:t>
+          </a:r>
+          <a:r>
+            <a:rPr lang="ko-KR" altLang="en-US" sz="1400" kern="1200" dirty="0"/>
+            <a:t>공영주차장 위치</a:t>
           </a:r>
         </a:p>
         <a:p>
-          <a:pPr marL="57150" lvl="1" indent="-57150" algn="l" defTabSz="444500" latinLnBrk="1">
+          <a:pPr marL="114300" lvl="1" indent="-114300" algn="l" defTabSz="622300" latinLnBrk="1">
             <a:lnSpc>
               <a:spcPct val="90000"/>
             </a:lnSpc>
@@ -1972,25 +2232,57 @@
             <a:buChar char="•"/>
           </a:pPr>
           <a:r>
-            <a:rPr lang="ko-KR" altLang="en-US" sz="1000" kern="1200" dirty="0"/>
-            <a:t>주차 만족도 작성</a:t>
+            <a:rPr lang="ko-KR" altLang="en-US" sz="1400" kern="1200" dirty="0"/>
+            <a:t>인구데이터 </a:t>
+          </a:r>
+          <a:r>
+            <a:rPr lang="en-US" altLang="ko-KR" sz="1400" kern="1200" dirty="0"/>
+            <a:t>: </a:t>
+          </a:r>
+          <a:r>
+            <a:rPr lang="ko-KR" altLang="en-US" sz="1400" kern="1200" dirty="0"/>
+            <a:t>카드이용건수</a:t>
+          </a:r>
+          <a:r>
+            <a:rPr lang="en-US" altLang="ko-KR" sz="1400" kern="1200" dirty="0"/>
+            <a:t>, </a:t>
+          </a:r>
+          <a:r>
+            <a:rPr lang="ko-KR" altLang="en-US" sz="1400" kern="1200" dirty="0"/>
+            <a:t>유동인구</a:t>
+          </a:r>
+          <a:r>
+            <a:rPr lang="en-US" altLang="ko-KR" sz="1400" kern="1200" dirty="0"/>
+            <a:t>, </a:t>
+          </a:r>
+          <a:r>
+            <a:rPr lang="en-US" altLang="ko-KR" sz="1400" kern="1200" dirty="0" err="1"/>
+            <a:t>WiFi</a:t>
+          </a:r>
+          <a:r>
+            <a:rPr lang="en-US" altLang="ko-KR" sz="1400" kern="1200" dirty="0"/>
+            <a:t> </a:t>
+          </a:r>
+          <a:r>
+            <a:rPr lang="ko-KR" altLang="en-US" sz="1400" kern="1200" dirty="0"/>
+            <a:t>접속자수</a:t>
           </a:r>
         </a:p>
       </dsp:txBody>
       <dsp:txXfrm rot="-5400000">
-        <a:off x="843739" y="55183"/>
-        <a:ext cx="3537166" cy="706979"/>
+        <a:off x="741538" y="1105236"/>
+        <a:ext cx="5995480" cy="805804"/>
       </dsp:txXfrm>
     </dsp:sp>
-    <dsp:sp modelId="{ADE83FAD-A61D-4E52-9B3E-A4E7F4F981D6}">
+    <dsp:sp modelId="{63F460C3-E67A-42AF-A348-7A5D8EBF3BBF}">
       <dsp:nvSpPr>
         <dsp:cNvPr id="0" name=""/>
         <dsp:cNvSpPr/>
       </dsp:nvSpPr>
       <dsp:spPr>
         <a:xfrm rot="5400000">
-          <a:off x="-180801" y="1264508"/>
-          <a:ext cx="1205340" cy="843738"/>
+          <a:off x="-158901" y="2384610"/>
+          <a:ext cx="1059340" cy="741538"/>
         </a:xfrm>
         <a:prstGeom prst="chevron">
           <a:avLst/>
@@ -2032,12 +2324,12 @@
         </a:fontRef>
       </dsp:style>
       <dsp:txBody>
-        <a:bodyPr spcFirstLastPara="0" vert="horz" wrap="square" lIns="8255" tIns="8255" rIns="8255" bIns="8255" numCol="1" spcCol="1270" anchor="ctr" anchorCtr="0">
+        <a:bodyPr spcFirstLastPara="0" vert="horz" wrap="square" lIns="8890" tIns="8890" rIns="8890" bIns="8890" numCol="1" spcCol="1270" anchor="ctr" anchorCtr="0">
           <a:noAutofit/>
         </a:bodyPr>
         <a:lstStyle/>
         <a:p>
-          <a:pPr marL="0" lvl="0" indent="0" algn="ctr" defTabSz="577850" latinLnBrk="1">
+          <a:pPr marL="0" lvl="0" indent="0" algn="ctr" defTabSz="622300" latinLnBrk="1">
             <a:lnSpc>
               <a:spcPct val="90000"/>
             </a:lnSpc>
@@ -2050,25 +2342,26 @@
             <a:buNone/>
           </a:pPr>
           <a:r>
-            <a:rPr lang="ko-KR" altLang="en-US" sz="1300" kern="1200" dirty="0"/>
-            <a:t>데이터수집</a:t>
+            <a:rPr lang="ko-KR" altLang="en-US" sz="1400" kern="1200" dirty="0" err="1"/>
+            <a:t>전처리</a:t>
           </a:r>
+          <a:endParaRPr lang="ko-KR" altLang="en-US" sz="1400" kern="1200" dirty="0"/>
         </a:p>
       </dsp:txBody>
       <dsp:txXfrm rot="-5400000">
-        <a:off x="0" y="1505576"/>
-        <a:ext cx="843738" cy="361602"/>
+        <a:off x="0" y="2596478"/>
+        <a:ext cx="741538" cy="317802"/>
       </dsp:txXfrm>
     </dsp:sp>
-    <dsp:sp modelId="{64B9E3E9-CF8A-45EC-A06B-263E0894C7D9}">
+    <dsp:sp modelId="{F053A267-E2C0-4B83-813B-DC8ED434C1DB}">
       <dsp:nvSpPr>
         <dsp:cNvPr id="0" name=""/>
         <dsp:cNvSpPr/>
       </dsp:nvSpPr>
       <dsp:spPr>
         <a:xfrm rot="5400000">
-          <a:off x="2239709" y="-312263"/>
-          <a:ext cx="783471" cy="3575412"/>
+          <a:off x="3311657" y="-449541"/>
+          <a:ext cx="898833" cy="6039072"/>
         </a:xfrm>
         <a:prstGeom prst="round2SameRect">
           <a:avLst/>
@@ -2109,12 +2402,12 @@
         <a:fontRef idx="minor"/>
       </dsp:style>
       <dsp:txBody>
-        <a:bodyPr spcFirstLastPara="0" vert="horz" wrap="square" lIns="71120" tIns="6350" rIns="6350" bIns="6350" numCol="1" spcCol="1270" anchor="ctr" anchorCtr="0">
+        <a:bodyPr spcFirstLastPara="0" vert="horz" wrap="square" lIns="99568" tIns="8890" rIns="8890" bIns="8890" numCol="1" spcCol="1270" anchor="ctr" anchorCtr="0">
           <a:noAutofit/>
         </a:bodyPr>
         <a:lstStyle/>
         <a:p>
-          <a:pPr marL="57150" lvl="1" indent="-57150" algn="l" defTabSz="444500" latinLnBrk="1">
+          <a:pPr marL="114300" lvl="1" indent="-114300" algn="l" defTabSz="622300" latinLnBrk="1">
             <a:lnSpc>
               <a:spcPct val="90000"/>
             </a:lnSpc>
@@ -2127,36 +2420,36 @@
             <a:buChar char="•"/>
           </a:pPr>
           <a:r>
-            <a:rPr lang="ko-KR" altLang="en-US" sz="1000" kern="1200" dirty="0"/>
+            <a:rPr lang="ko-KR" altLang="en-US" sz="1400" kern="1200" dirty="0"/>
             <a:t>지역 데이터 </a:t>
           </a:r>
           <a:r>
-            <a:rPr lang="en-US" altLang="ko-KR" sz="1000" kern="1200" dirty="0"/>
+            <a:rPr lang="en-US" altLang="ko-KR" sz="1400" kern="1200" dirty="0"/>
             <a:t>: </a:t>
           </a:r>
           <a:r>
-            <a:rPr lang="ko-KR" altLang="en-US" sz="1000" kern="1200" dirty="0" err="1"/>
+            <a:rPr lang="ko-KR" altLang="en-US" sz="1400" kern="1200" dirty="0" err="1"/>
             <a:t>사업체수</a:t>
           </a:r>
           <a:r>
-            <a:rPr lang="en-US" altLang="ko-KR" sz="1000" kern="1200" dirty="0"/>
+            <a:rPr lang="en-US" altLang="ko-KR" sz="1400" kern="1200" dirty="0"/>
             <a:t>, </a:t>
           </a:r>
           <a:r>
-            <a:rPr lang="ko-KR" altLang="en-US" sz="1000" kern="1200" dirty="0" err="1"/>
+            <a:rPr lang="ko-KR" altLang="en-US" sz="1400" kern="1200" dirty="0" err="1"/>
             <a:t>주차면수</a:t>
           </a:r>
           <a:r>
-            <a:rPr lang="en-US" altLang="ko-KR" sz="1000" kern="1200" dirty="0"/>
+            <a:rPr lang="en-US" altLang="ko-KR" sz="1400" kern="1200" dirty="0"/>
             <a:t>, </a:t>
           </a:r>
           <a:r>
-            <a:rPr lang="ko-KR" altLang="en-US" sz="1000" kern="1200" dirty="0"/>
+            <a:rPr lang="ko-KR" altLang="en-US" sz="1400" kern="1200" dirty="0"/>
             <a:t>공영주차장 위치</a:t>
           </a:r>
         </a:p>
         <a:p>
-          <a:pPr marL="57150" lvl="1" indent="-57150" algn="l" defTabSz="444500" latinLnBrk="1">
+          <a:pPr marL="114300" lvl="1" indent="-114300" algn="l" defTabSz="622300" latinLnBrk="1">
             <a:lnSpc>
               <a:spcPct val="90000"/>
             </a:lnSpc>
@@ -2169,57 +2462,57 @@
             <a:buChar char="•"/>
           </a:pPr>
           <a:r>
-            <a:rPr lang="ko-KR" altLang="en-US" sz="1000" kern="1200" dirty="0"/>
+            <a:rPr lang="ko-KR" altLang="en-US" sz="1400" kern="1200" dirty="0"/>
             <a:t>인구데이터 </a:t>
           </a:r>
           <a:r>
-            <a:rPr lang="en-US" altLang="ko-KR" sz="1000" kern="1200" dirty="0"/>
+            <a:rPr lang="en-US" altLang="ko-KR" sz="1400" kern="1200" dirty="0"/>
             <a:t>: </a:t>
           </a:r>
           <a:r>
-            <a:rPr lang="ko-KR" altLang="en-US" sz="1000" kern="1200" dirty="0"/>
+            <a:rPr lang="ko-KR" altLang="en-US" sz="1400" kern="1200" dirty="0"/>
             <a:t>카드이용건수</a:t>
           </a:r>
           <a:r>
-            <a:rPr lang="en-US" altLang="ko-KR" sz="1000" kern="1200" dirty="0"/>
+            <a:rPr lang="en-US" altLang="ko-KR" sz="1400" kern="1200" dirty="0"/>
             <a:t>, </a:t>
           </a:r>
           <a:r>
-            <a:rPr lang="ko-KR" altLang="en-US" sz="1000" kern="1200" dirty="0"/>
+            <a:rPr lang="ko-KR" altLang="en-US" sz="1400" kern="1200" dirty="0"/>
             <a:t>유동인구</a:t>
           </a:r>
           <a:r>
-            <a:rPr lang="en-US" altLang="ko-KR" sz="1000" kern="1200" dirty="0"/>
+            <a:rPr lang="en-US" altLang="ko-KR" sz="1400" kern="1200" dirty="0"/>
             <a:t>, </a:t>
           </a:r>
           <a:r>
-            <a:rPr lang="en-US" altLang="ko-KR" sz="1000" kern="1200" dirty="0" err="1"/>
+            <a:rPr lang="en-US" altLang="ko-KR" sz="1400" kern="1200" dirty="0" err="1"/>
             <a:t>WiFi</a:t>
           </a:r>
           <a:r>
-            <a:rPr lang="en-US" altLang="ko-KR" sz="1000" kern="1200" dirty="0"/>
+            <a:rPr lang="en-US" altLang="ko-KR" sz="1400" kern="1200" dirty="0"/>
             <a:t> </a:t>
           </a:r>
           <a:r>
-            <a:rPr lang="ko-KR" altLang="en-US" sz="1000" kern="1200" dirty="0"/>
+            <a:rPr lang="ko-KR" altLang="en-US" sz="1400" kern="1200" dirty="0"/>
             <a:t>접속자수</a:t>
           </a:r>
         </a:p>
       </dsp:txBody>
       <dsp:txXfrm rot="-5400000">
-        <a:off x="843739" y="1121953"/>
-        <a:ext cx="3537166" cy="706979"/>
+        <a:off x="741538" y="2164455"/>
+        <a:ext cx="5995195" cy="811079"/>
       </dsp:txXfrm>
     </dsp:sp>
-    <dsp:sp modelId="{63F460C3-E67A-42AF-A348-7A5D8EBF3BBF}">
+    <dsp:sp modelId="{D114AE6B-BB23-4757-8651-62C12EFCF62D}">
       <dsp:nvSpPr>
         <dsp:cNvPr id="0" name=""/>
         <dsp:cNvSpPr/>
       </dsp:nvSpPr>
       <dsp:spPr>
         <a:xfrm rot="5400000">
-          <a:off x="-180801" y="2348091"/>
-          <a:ext cx="1205340" cy="843738"/>
+          <a:off x="-158901" y="3408325"/>
+          <a:ext cx="1059340" cy="741538"/>
         </a:xfrm>
         <a:prstGeom prst="chevron">
           <a:avLst/>
@@ -2261,12 +2554,27 @@
         </a:fontRef>
       </dsp:style>
       <dsp:txBody>
-        <a:bodyPr spcFirstLastPara="0" vert="horz" wrap="square" lIns="8255" tIns="8255" rIns="8255" bIns="8255" numCol="1" spcCol="1270" anchor="ctr" anchorCtr="0">
+        <a:bodyPr spcFirstLastPara="0" vert="horz" wrap="square" lIns="8890" tIns="8890" rIns="8890" bIns="8890" numCol="1" spcCol="1270" anchor="ctr" anchorCtr="0">
           <a:noAutofit/>
         </a:bodyPr>
         <a:lstStyle/>
         <a:p>
-          <a:pPr marL="0" lvl="0" indent="0" algn="ctr" defTabSz="577850" latinLnBrk="1">
+          <a:pPr marL="0" lvl="0" indent="0" algn="ctr" defTabSz="622300" latinLnBrk="1">
+            <a:lnSpc>
+              <a:spcPct val="90000"/>
+            </a:lnSpc>
+            <a:spcBef>
+              <a:spcPct val="0"/>
+            </a:spcBef>
+            <a:spcAft>
+              <a:spcPct val="35000"/>
+            </a:spcAft>
+            <a:buNone/>
+          </a:pPr>
+          <a:endParaRPr lang="en-US" altLang="ko-KR" sz="1400" kern="1200" dirty="0"/>
+        </a:p>
+        <a:p>
+          <a:pPr marL="0" lvl="0" indent="0" algn="ctr" defTabSz="622300" latinLnBrk="1">
             <a:lnSpc>
               <a:spcPct val="90000"/>
             </a:lnSpc>
@@ -2279,26 +2587,45 @@
             <a:buNone/>
           </a:pPr>
           <a:r>
-            <a:rPr lang="ko-KR" altLang="en-US" sz="1300" kern="1200" dirty="0" err="1"/>
-            <a:t>전처리</a:t>
+            <a:rPr lang="ko-KR" altLang="en-US" sz="1400" kern="1200" dirty="0"/>
+            <a:t>데이터</a:t>
           </a:r>
-          <a:endParaRPr lang="ko-KR" altLang="en-US" sz="1300" kern="1200" dirty="0"/>
+          <a:endParaRPr lang="en-US" altLang="ko-KR" sz="1400" kern="1200" dirty="0"/>
+        </a:p>
+        <a:p>
+          <a:pPr marL="0" lvl="0" indent="0" algn="ctr" defTabSz="622300" latinLnBrk="1">
+            <a:lnSpc>
+              <a:spcPct val="90000"/>
+            </a:lnSpc>
+            <a:spcBef>
+              <a:spcPct val="0"/>
+            </a:spcBef>
+            <a:spcAft>
+              <a:spcPct val="35000"/>
+            </a:spcAft>
+            <a:buNone/>
+          </a:pPr>
+          <a:r>
+            <a:rPr lang="ko-KR" altLang="en-US" sz="1400" kern="1200" dirty="0"/>
+            <a:t>분석</a:t>
+          </a:r>
+          <a:endParaRPr lang="en-US" altLang="ko-KR" sz="1400" kern="1200" dirty="0"/>
         </a:p>
       </dsp:txBody>
       <dsp:txXfrm rot="-5400000">
-        <a:off x="0" y="2589159"/>
-        <a:ext cx="843738" cy="361602"/>
+        <a:off x="0" y="3620193"/>
+        <a:ext cx="741538" cy="317802"/>
       </dsp:txXfrm>
     </dsp:sp>
-    <dsp:sp modelId="{F053A267-E2C0-4B83-813B-DC8ED434C1DB}">
+    <dsp:sp modelId="{90DBB2C6-3124-48D6-9871-ABAA0007EFD3}">
       <dsp:nvSpPr>
         <dsp:cNvPr id="0" name=""/>
         <dsp:cNvSpPr/>
       </dsp:nvSpPr>
       <dsp:spPr>
         <a:xfrm rot="5400000">
-          <a:off x="2239709" y="771320"/>
-          <a:ext cx="783471" cy="3575412"/>
+          <a:off x="3286273" y="637881"/>
+          <a:ext cx="949601" cy="6039072"/>
         </a:xfrm>
         <a:prstGeom prst="round2SameRect">
           <a:avLst/>
@@ -2339,12 +2666,12 @@
         <a:fontRef idx="minor"/>
       </dsp:style>
       <dsp:txBody>
-        <a:bodyPr spcFirstLastPara="0" vert="horz" wrap="square" lIns="71120" tIns="6350" rIns="6350" bIns="6350" numCol="1" spcCol="1270" anchor="ctr" anchorCtr="0">
+        <a:bodyPr spcFirstLastPara="0" vert="horz" wrap="square" lIns="99568" tIns="8890" rIns="8890" bIns="8890" numCol="1" spcCol="1270" anchor="ctr" anchorCtr="0">
           <a:noAutofit/>
         </a:bodyPr>
         <a:lstStyle/>
         <a:p>
-          <a:pPr marL="57150" lvl="1" indent="-57150" algn="l" defTabSz="444500" latinLnBrk="1">
+          <a:pPr marL="114300" lvl="1" indent="-114300" algn="l" defTabSz="622300" latinLnBrk="1">
             <a:lnSpc>
               <a:spcPct val="90000"/>
             </a:lnSpc>
@@ -2357,36 +2684,12 @@
             <a:buChar char="•"/>
           </a:pPr>
           <a:r>
-            <a:rPr lang="ko-KR" altLang="en-US" sz="1000" kern="1200" dirty="0"/>
-            <a:t>지역 데이터 </a:t>
-          </a:r>
-          <a:r>
-            <a:rPr lang="en-US" altLang="ko-KR" sz="1000" kern="1200" dirty="0"/>
-            <a:t>: </a:t>
-          </a:r>
-          <a:r>
-            <a:rPr lang="ko-KR" altLang="en-US" sz="1000" kern="1200" dirty="0" err="1"/>
-            <a:t>사업체수</a:t>
-          </a:r>
-          <a:r>
-            <a:rPr lang="en-US" altLang="ko-KR" sz="1000" kern="1200" dirty="0"/>
-            <a:t>, </a:t>
-          </a:r>
-          <a:r>
-            <a:rPr lang="ko-KR" altLang="en-US" sz="1000" kern="1200" dirty="0" err="1"/>
-            <a:t>주차면수</a:t>
-          </a:r>
-          <a:r>
-            <a:rPr lang="en-US" altLang="ko-KR" sz="1000" kern="1200" dirty="0"/>
-            <a:t>, </a:t>
-          </a:r>
-          <a:r>
-            <a:rPr lang="ko-KR" altLang="en-US" sz="1000" kern="1200" dirty="0"/>
-            <a:t>공영주차장 위치</a:t>
+            <a:rPr lang="ko-KR" altLang="en-US" sz="1400" kern="1200" dirty="0"/>
+            <a:t>상관분석</a:t>
           </a:r>
         </a:p>
         <a:p>
-          <a:pPr marL="57150" lvl="1" indent="-57150" algn="l" defTabSz="444500" latinLnBrk="1">
+          <a:pPr marL="114300" lvl="1" indent="-114300" algn="l" defTabSz="622300" latinLnBrk="1">
             <a:lnSpc>
               <a:spcPct val="90000"/>
             </a:lnSpc>
@@ -2399,57 +2702,43 @@
             <a:buChar char="•"/>
           </a:pPr>
           <a:r>
-            <a:rPr lang="ko-KR" altLang="en-US" sz="1000" kern="1200" dirty="0"/>
-            <a:t>인구데이터 </a:t>
+            <a:rPr lang="ko-KR" altLang="en-US" sz="1400" kern="1200" dirty="0"/>
+            <a:t>군집분석</a:t>
           </a:r>
+        </a:p>
+        <a:p>
+          <a:pPr marL="114300" lvl="1" indent="-114300" algn="l" defTabSz="622300" latinLnBrk="1">
+            <a:lnSpc>
+              <a:spcPct val="90000"/>
+            </a:lnSpc>
+            <a:spcBef>
+              <a:spcPct val="0"/>
+            </a:spcBef>
+            <a:spcAft>
+              <a:spcPct val="15000"/>
+            </a:spcAft>
+            <a:buChar char="•"/>
+          </a:pPr>
           <a:r>
-            <a:rPr lang="en-US" altLang="ko-KR" sz="1000" kern="1200" dirty="0"/>
-            <a:t>: </a:t>
-          </a:r>
-          <a:r>
-            <a:rPr lang="ko-KR" altLang="en-US" sz="1000" kern="1200" dirty="0"/>
-            <a:t>카드이용건수</a:t>
-          </a:r>
-          <a:r>
-            <a:rPr lang="en-US" altLang="ko-KR" sz="1000" kern="1200" dirty="0"/>
-            <a:t>, </a:t>
-          </a:r>
-          <a:r>
-            <a:rPr lang="ko-KR" altLang="en-US" sz="1000" kern="1200" dirty="0"/>
-            <a:t>유동인구</a:t>
-          </a:r>
-          <a:r>
-            <a:rPr lang="en-US" altLang="ko-KR" sz="1000" kern="1200" dirty="0"/>
-            <a:t>, </a:t>
-          </a:r>
-          <a:r>
-            <a:rPr lang="en-US" altLang="ko-KR" sz="1000" kern="1200" dirty="0" err="1"/>
-            <a:t>WiFi</a:t>
-          </a:r>
-          <a:r>
-            <a:rPr lang="en-US" altLang="ko-KR" sz="1000" kern="1200" dirty="0"/>
-            <a:t> </a:t>
-          </a:r>
-          <a:r>
-            <a:rPr lang="ko-KR" altLang="en-US" sz="1000" kern="1200" dirty="0"/>
-            <a:t>접속자수</a:t>
+            <a:rPr lang="ko-KR" altLang="en-US" sz="1400" kern="1200" dirty="0"/>
+            <a:t>회귀분석</a:t>
           </a:r>
         </a:p>
       </dsp:txBody>
       <dsp:txXfrm rot="-5400000">
-        <a:off x="843739" y="2205536"/>
-        <a:ext cx="3537166" cy="706979"/>
+        <a:off x="741538" y="3228972"/>
+        <a:ext cx="5992716" cy="856889"/>
       </dsp:txXfrm>
     </dsp:sp>
-    <dsp:sp modelId="{D114AE6B-BB23-4757-8651-62C12EFCF62D}">
+    <dsp:sp modelId="{3FB1A283-4575-461D-AA9D-C0327FEBBEE8}">
       <dsp:nvSpPr>
         <dsp:cNvPr id="0" name=""/>
         <dsp:cNvSpPr/>
       </dsp:nvSpPr>
       <dsp:spPr>
         <a:xfrm rot="5400000">
-          <a:off x="-180801" y="3431675"/>
-          <a:ext cx="1205340" cy="843738"/>
+          <a:off x="-158901" y="4590163"/>
+          <a:ext cx="1059340" cy="741538"/>
         </a:xfrm>
         <a:prstGeom prst="chevron">
           <a:avLst/>
@@ -2491,12 +2780,12 @@
         </a:fontRef>
       </dsp:style>
       <dsp:txBody>
-        <a:bodyPr spcFirstLastPara="0" vert="horz" wrap="square" lIns="8255" tIns="8255" rIns="8255" bIns="8255" numCol="1" spcCol="1270" anchor="ctr" anchorCtr="0">
+        <a:bodyPr spcFirstLastPara="0" vert="horz" wrap="square" lIns="8890" tIns="8890" rIns="8890" bIns="8890" numCol="1" spcCol="1270" anchor="ctr" anchorCtr="0">
           <a:noAutofit/>
         </a:bodyPr>
         <a:lstStyle/>
         <a:p>
-          <a:pPr marL="0" lvl="0" indent="0" algn="ctr" defTabSz="577850" latinLnBrk="1">
+          <a:pPr marL="0" lvl="0" indent="0" algn="ctr" defTabSz="622300" latinLnBrk="1">
             <a:lnSpc>
               <a:spcPct val="90000"/>
             </a:lnSpc>
@@ -2509,25 +2798,25 @@
             <a:buNone/>
           </a:pPr>
           <a:r>
-            <a:rPr lang="ko-KR" altLang="en-US" sz="1300" kern="1200" dirty="0"/>
-            <a:t>데이터분석</a:t>
+            <a:rPr lang="ko-KR" altLang="en-US" sz="1400" kern="1200" dirty="0"/>
+            <a:t>분석결과</a:t>
           </a:r>
         </a:p>
       </dsp:txBody>
       <dsp:txXfrm rot="-5400000">
-        <a:off x="0" y="3672743"/>
-        <a:ext cx="843738" cy="361602"/>
+        <a:off x="0" y="4802031"/>
+        <a:ext cx="741538" cy="317802"/>
       </dsp:txXfrm>
     </dsp:sp>
-    <dsp:sp modelId="{90DBB2C6-3124-48D6-9871-ABAA0007EFD3}">
+    <dsp:sp modelId="{DB3A236D-28E8-4666-9501-E8B618CC19DD}">
       <dsp:nvSpPr>
         <dsp:cNvPr id="0" name=""/>
         <dsp:cNvSpPr/>
       </dsp:nvSpPr>
       <dsp:spPr>
         <a:xfrm rot="5400000">
-          <a:off x="2239709" y="1854903"/>
-          <a:ext cx="783471" cy="3575412"/>
+          <a:off x="3255566" y="1756011"/>
+          <a:ext cx="1011015" cy="6039072"/>
         </a:xfrm>
         <a:prstGeom prst="round2SameRect">
           <a:avLst/>
@@ -2568,205 +2857,12 @@
         <a:fontRef idx="minor"/>
       </dsp:style>
       <dsp:txBody>
-        <a:bodyPr spcFirstLastPara="0" vert="horz" wrap="square" lIns="71120" tIns="6350" rIns="6350" bIns="6350" numCol="1" spcCol="1270" anchor="ctr" anchorCtr="0">
+        <a:bodyPr spcFirstLastPara="0" vert="horz" wrap="square" lIns="99568" tIns="8890" rIns="8890" bIns="8890" numCol="1" spcCol="1270" anchor="ctr" anchorCtr="0">
           <a:noAutofit/>
         </a:bodyPr>
         <a:lstStyle/>
         <a:p>
-          <a:pPr marL="57150" lvl="1" indent="-57150" algn="l" defTabSz="444500" latinLnBrk="1">
-            <a:lnSpc>
-              <a:spcPct val="90000"/>
-            </a:lnSpc>
-            <a:spcBef>
-              <a:spcPct val="0"/>
-            </a:spcBef>
-            <a:spcAft>
-              <a:spcPct val="15000"/>
-            </a:spcAft>
-            <a:buChar char="•"/>
-          </a:pPr>
-          <a:r>
-            <a:rPr lang="ko-KR" altLang="en-US" sz="1000" kern="1200"/>
-            <a:t>상관분석</a:t>
-          </a:r>
-        </a:p>
-        <a:p>
-          <a:pPr marL="57150" lvl="1" indent="-57150" algn="l" defTabSz="444500" latinLnBrk="1">
-            <a:lnSpc>
-              <a:spcPct val="90000"/>
-            </a:lnSpc>
-            <a:spcBef>
-              <a:spcPct val="0"/>
-            </a:spcBef>
-            <a:spcAft>
-              <a:spcPct val="15000"/>
-            </a:spcAft>
-            <a:buChar char="•"/>
-          </a:pPr>
-          <a:r>
-            <a:rPr lang="ko-KR" altLang="en-US" sz="1000" kern="1200"/>
-            <a:t>군집분석</a:t>
-          </a:r>
-          <a:endParaRPr lang="ko-KR" altLang="en-US" sz="1000" kern="1200" dirty="0"/>
-        </a:p>
-        <a:p>
-          <a:pPr marL="57150" lvl="1" indent="-57150" algn="l" defTabSz="444500" latinLnBrk="1">
-            <a:lnSpc>
-              <a:spcPct val="90000"/>
-            </a:lnSpc>
-            <a:spcBef>
-              <a:spcPct val="0"/>
-            </a:spcBef>
-            <a:spcAft>
-              <a:spcPct val="15000"/>
-            </a:spcAft>
-            <a:buChar char="•"/>
-          </a:pPr>
-          <a:r>
-            <a:rPr lang="ko-KR" altLang="en-US" sz="1000" kern="1200"/>
-            <a:t>회귀분석</a:t>
-          </a:r>
-          <a:endParaRPr lang="ko-KR" altLang="en-US" sz="1000" kern="1200" dirty="0"/>
-        </a:p>
-      </dsp:txBody>
-      <dsp:txXfrm rot="-5400000">
-        <a:off x="843739" y="3289119"/>
-        <a:ext cx="3537166" cy="706979"/>
-      </dsp:txXfrm>
-    </dsp:sp>
-    <dsp:sp modelId="{3FB1A283-4575-461D-AA9D-C0327FEBBEE8}">
-      <dsp:nvSpPr>
-        <dsp:cNvPr id="0" name=""/>
-        <dsp:cNvSpPr/>
-      </dsp:nvSpPr>
-      <dsp:spPr>
-        <a:xfrm rot="5400000">
-          <a:off x="-180801" y="4515258"/>
-          <a:ext cx="1205340" cy="843738"/>
-        </a:xfrm>
-        <a:prstGeom prst="chevron">
-          <a:avLst/>
-        </a:prstGeom>
-        <a:solidFill>
-          <a:schemeClr val="accent1">
-            <a:hueOff val="0"/>
-            <a:satOff val="0"/>
-            <a:lumOff val="0"/>
-            <a:alphaOff val="0"/>
-          </a:schemeClr>
-        </a:solidFill>
-        <a:ln w="12700" cap="flat" cmpd="sng" algn="ctr">
-          <a:solidFill>
-            <a:schemeClr val="accent1">
-              <a:hueOff val="0"/>
-              <a:satOff val="0"/>
-              <a:lumOff val="0"/>
-              <a:alphaOff val="0"/>
-            </a:schemeClr>
-          </a:solidFill>
-          <a:prstDash val="solid"/>
-          <a:miter lim="800000"/>
-        </a:ln>
-        <a:effectLst/>
-      </dsp:spPr>
-      <dsp:style>
-        <a:lnRef idx="2">
-          <a:scrgbClr r="0" g="0" b="0"/>
-        </a:lnRef>
-        <a:fillRef idx="1">
-          <a:scrgbClr r="0" g="0" b="0"/>
-        </a:fillRef>
-        <a:effectRef idx="0">
-          <a:scrgbClr r="0" g="0" b="0"/>
-        </a:effectRef>
-        <a:fontRef idx="minor">
-          <a:schemeClr val="lt1"/>
-        </a:fontRef>
-      </dsp:style>
-      <dsp:txBody>
-        <a:bodyPr spcFirstLastPara="0" vert="horz" wrap="square" lIns="8255" tIns="8255" rIns="8255" bIns="8255" numCol="1" spcCol="1270" anchor="ctr" anchorCtr="0">
-          <a:noAutofit/>
-        </a:bodyPr>
-        <a:lstStyle/>
-        <a:p>
-          <a:pPr marL="0" lvl="0" indent="0" algn="ctr" defTabSz="577850" latinLnBrk="1">
-            <a:lnSpc>
-              <a:spcPct val="90000"/>
-            </a:lnSpc>
-            <a:spcBef>
-              <a:spcPct val="0"/>
-            </a:spcBef>
-            <a:spcAft>
-              <a:spcPct val="35000"/>
-            </a:spcAft>
-            <a:buNone/>
-          </a:pPr>
-          <a:r>
-            <a:rPr lang="ko-KR" altLang="en-US" sz="1300" kern="1200" dirty="0"/>
-            <a:t>시각화</a:t>
-          </a:r>
-        </a:p>
-      </dsp:txBody>
-      <dsp:txXfrm rot="-5400000">
-        <a:off x="0" y="4756326"/>
-        <a:ext cx="843738" cy="361602"/>
-      </dsp:txXfrm>
-    </dsp:sp>
-    <dsp:sp modelId="{DB3A236D-28E8-4666-9501-E8B618CC19DD}">
-      <dsp:nvSpPr>
-        <dsp:cNvPr id="0" name=""/>
-        <dsp:cNvSpPr/>
-      </dsp:nvSpPr>
-      <dsp:spPr>
-        <a:xfrm rot="5400000">
-          <a:off x="2239709" y="2938486"/>
-          <a:ext cx="783471" cy="3575412"/>
-        </a:xfrm>
-        <a:prstGeom prst="round2SameRect">
-          <a:avLst/>
-        </a:prstGeom>
-        <a:solidFill>
-          <a:schemeClr val="lt1">
-            <a:alpha val="90000"/>
-            <a:hueOff val="0"/>
-            <a:satOff val="0"/>
-            <a:lumOff val="0"/>
-            <a:alphaOff val="0"/>
-          </a:schemeClr>
-        </a:solidFill>
-        <a:ln w="12700" cap="flat" cmpd="sng" algn="ctr">
-          <a:solidFill>
-            <a:schemeClr val="accent1">
-              <a:hueOff val="0"/>
-              <a:satOff val="0"/>
-              <a:lumOff val="0"/>
-              <a:alphaOff val="0"/>
-            </a:schemeClr>
-          </a:solidFill>
-          <a:prstDash val="solid"/>
-          <a:miter lim="800000"/>
-        </a:ln>
-        <a:effectLst/>
-      </dsp:spPr>
-      <dsp:style>
-        <a:lnRef idx="2">
-          <a:scrgbClr r="0" g="0" b="0"/>
-        </a:lnRef>
-        <a:fillRef idx="1">
-          <a:scrgbClr r="0" g="0" b="0"/>
-        </a:fillRef>
-        <a:effectRef idx="0">
-          <a:scrgbClr r="0" g="0" b="0"/>
-        </a:effectRef>
-        <a:fontRef idx="minor"/>
-      </dsp:style>
-      <dsp:txBody>
-        <a:bodyPr spcFirstLastPara="0" vert="horz" wrap="square" lIns="71120" tIns="6350" rIns="6350" bIns="6350" numCol="1" spcCol="1270" anchor="ctr" anchorCtr="0">
-          <a:noAutofit/>
-        </a:bodyPr>
-        <a:lstStyle/>
-        <a:p>
-          <a:pPr marL="57150" lvl="1" indent="-57150" algn="l" defTabSz="444500" latinLnBrk="1">
+          <a:pPr marL="114300" lvl="1" indent="-114300" algn="l" defTabSz="622300" latinLnBrk="1">
             <a:lnSpc>
               <a:spcPct val="90000"/>
             </a:lnSpc>
@@ -2780,7 +2876,7 @@
             <a:buChar char="•"/>
           </a:pPr>
           <a:r>
-            <a:rPr lang="en-US" altLang="ko-KR" sz="1000" kern="1200">
+            <a:rPr lang="en-US" altLang="ko-KR" sz="1400" kern="1200" dirty="0">
               <a:ln>
                 <a:solidFill>
                   <a:srgbClr val="4F81BD">
@@ -2799,7 +2895,7 @@
             <a:t>QGIS </a:t>
           </a:r>
           <a:r>
-            <a:rPr lang="ko-KR" altLang="en-US" sz="1000" kern="1200">
+            <a:rPr lang="ko-KR" altLang="en-US" sz="1400" kern="1200" dirty="0">
               <a:ln>
                 <a:solidFill>
                   <a:srgbClr val="4F81BD">
@@ -2817,12 +2913,12 @@
             </a:rPr>
             <a:t>시각화</a:t>
           </a:r>
-          <a:endParaRPr lang="ko-KR" altLang="en-US" sz="1000" kern="1200"/>
+          <a:endParaRPr lang="ko-KR" altLang="en-US" sz="1400" kern="1200" dirty="0"/>
         </a:p>
       </dsp:txBody>
       <dsp:txXfrm rot="-5400000">
-        <a:off x="843739" y="4372702"/>
-        <a:ext cx="3537166" cy="706979"/>
+        <a:off x="741538" y="4319393"/>
+        <a:ext cx="5989718" cy="912307"/>
       </dsp:txXfrm>
     </dsp:sp>
   </dsp:spTree>
@@ -4266,7 +4362,7 @@
           <a:p>
             <a:fld id="{5E472648-8526-44EB-BD1A-EFCE8ACF3DF0}" type="datetimeFigureOut">
               <a:rPr lang="ko-KR" altLang="en-US" smtClean="0"/>
-              <a:t>2020-09-23</a:t>
+              <a:t>2020-09-24</a:t>
             </a:fld>
             <a:endParaRPr lang="ko-KR" altLang="en-US"/>
           </a:p>
@@ -4464,7 +4560,7 @@
           <a:p>
             <a:fld id="{5E472648-8526-44EB-BD1A-EFCE8ACF3DF0}" type="datetimeFigureOut">
               <a:rPr lang="ko-KR" altLang="en-US" smtClean="0"/>
-              <a:t>2020-09-23</a:t>
+              <a:t>2020-09-24</a:t>
             </a:fld>
             <a:endParaRPr lang="ko-KR" altLang="en-US"/>
           </a:p>
@@ -4672,7 +4768,7 @@
           <a:p>
             <a:fld id="{5E472648-8526-44EB-BD1A-EFCE8ACF3DF0}" type="datetimeFigureOut">
               <a:rPr lang="ko-KR" altLang="en-US" smtClean="0"/>
-              <a:t>2020-09-23</a:t>
+              <a:t>2020-09-24</a:t>
             </a:fld>
             <a:endParaRPr lang="ko-KR" altLang="en-US"/>
           </a:p>
@@ -4870,7 +4966,7 @@
           <a:p>
             <a:fld id="{5E472648-8526-44EB-BD1A-EFCE8ACF3DF0}" type="datetimeFigureOut">
               <a:rPr lang="ko-KR" altLang="en-US" smtClean="0"/>
-              <a:t>2020-09-23</a:t>
+              <a:t>2020-09-24</a:t>
             </a:fld>
             <a:endParaRPr lang="ko-KR" altLang="en-US"/>
           </a:p>
@@ -5145,7 +5241,7 @@
           <a:p>
             <a:fld id="{5E472648-8526-44EB-BD1A-EFCE8ACF3DF0}" type="datetimeFigureOut">
               <a:rPr lang="ko-KR" altLang="en-US" smtClean="0"/>
-              <a:t>2020-09-23</a:t>
+              <a:t>2020-09-24</a:t>
             </a:fld>
             <a:endParaRPr lang="ko-KR" altLang="en-US"/>
           </a:p>
@@ -5410,7 +5506,7 @@
           <a:p>
             <a:fld id="{5E472648-8526-44EB-BD1A-EFCE8ACF3DF0}" type="datetimeFigureOut">
               <a:rPr lang="ko-KR" altLang="en-US" smtClean="0"/>
-              <a:t>2020-09-23</a:t>
+              <a:t>2020-09-24</a:t>
             </a:fld>
             <a:endParaRPr lang="ko-KR" altLang="en-US"/>
           </a:p>
@@ -5822,7 +5918,7 @@
           <a:p>
             <a:fld id="{5E472648-8526-44EB-BD1A-EFCE8ACF3DF0}" type="datetimeFigureOut">
               <a:rPr lang="ko-KR" altLang="en-US" smtClean="0"/>
-              <a:t>2020-09-23</a:t>
+              <a:t>2020-09-24</a:t>
             </a:fld>
             <a:endParaRPr lang="ko-KR" altLang="en-US"/>
           </a:p>
@@ -5963,7 +6059,7 @@
           <a:p>
             <a:fld id="{5E472648-8526-44EB-BD1A-EFCE8ACF3DF0}" type="datetimeFigureOut">
               <a:rPr lang="ko-KR" altLang="en-US" smtClean="0"/>
-              <a:t>2020-09-23</a:t>
+              <a:t>2020-09-24</a:t>
             </a:fld>
             <a:endParaRPr lang="ko-KR" altLang="en-US"/>
           </a:p>
@@ -6076,7 +6172,7 @@
           <a:p>
             <a:fld id="{5E472648-8526-44EB-BD1A-EFCE8ACF3DF0}" type="datetimeFigureOut">
               <a:rPr lang="ko-KR" altLang="en-US" smtClean="0"/>
-              <a:t>2020-09-23</a:t>
+              <a:t>2020-09-24</a:t>
             </a:fld>
             <a:endParaRPr lang="ko-KR" altLang="en-US"/>
           </a:p>
@@ -6387,7 +6483,7 @@
           <a:p>
             <a:fld id="{5E472648-8526-44EB-BD1A-EFCE8ACF3DF0}" type="datetimeFigureOut">
               <a:rPr lang="ko-KR" altLang="en-US" smtClean="0"/>
-              <a:t>2020-09-23</a:t>
+              <a:t>2020-09-24</a:t>
             </a:fld>
             <a:endParaRPr lang="ko-KR" altLang="en-US"/>
           </a:p>
@@ -6675,7 +6771,7 @@
           <a:p>
             <a:fld id="{5E472648-8526-44EB-BD1A-EFCE8ACF3DF0}" type="datetimeFigureOut">
               <a:rPr lang="ko-KR" altLang="en-US" smtClean="0"/>
-              <a:t>2020-09-23</a:t>
+              <a:t>2020-09-24</a:t>
             </a:fld>
             <a:endParaRPr lang="ko-KR" altLang="en-US"/>
           </a:p>
@@ -6916,7 +7012,7 @@
           <a:p>
             <a:fld id="{5E472648-8526-44EB-BD1A-EFCE8ACF3DF0}" type="datetimeFigureOut">
               <a:rPr lang="ko-KR" altLang="en-US" smtClean="0"/>
-              <a:t>2020-09-23</a:t>
+              <a:t>2020-09-24</a:t>
             </a:fld>
             <a:endParaRPr lang="ko-KR" altLang="en-US"/>
           </a:p>
@@ -7346,14 +7442,14 @@
           <p:nvPr>
             <p:extLst>
               <p:ext uri="{D42A27DB-BD31-4B8C-83A1-F6EECF244321}">
-                <p14:modId xmlns:p14="http://schemas.microsoft.com/office/powerpoint/2010/main" val="2800806392"/>
+                <p14:modId xmlns:p14="http://schemas.microsoft.com/office/powerpoint/2010/main" val="1952597094"/>
               </p:ext>
             </p:extLst>
           </p:nvPr>
         </p:nvGraphicFramePr>
         <p:xfrm>
           <a:off x="1786340" y="408117"/>
-          <a:ext cx="4419151" cy="5539922"/>
+          <a:ext cx="6780611" cy="5539922"/>
         </p:xfrm>
         <a:graphic>
           <a:graphicData uri="http://schemas.openxmlformats.org/drawingml/2006/diagram">
@@ -7365,6 +7461,1707 @@
     <p:extLst>
       <p:ext uri="{BB962C8B-B14F-4D97-AF65-F5344CB8AC3E}">
         <p14:creationId xmlns:p14="http://schemas.microsoft.com/office/powerpoint/2010/main" val="4292904146"/>
+      </p:ext>
+    </p:extLst>
+  </p:cSld>
+  <p:clrMapOvr>
+    <a:masterClrMapping/>
+  </p:clrMapOvr>
+</p:sld>
+</file>
+
+<file path=ppt/slides/slide2.xml><?xml version="1.0" encoding="utf-8"?>
+<p:sld xmlns:a="http://schemas.openxmlformats.org/drawingml/2006/main" xmlns:r="http://schemas.openxmlformats.org/officeDocument/2006/relationships" xmlns:p="http://schemas.openxmlformats.org/presentationml/2006/main">
+  <p:cSld>
+    <p:spTree>
+      <p:nvGrpSpPr>
+        <p:cNvPr id="1" name=""/>
+        <p:cNvGrpSpPr/>
+        <p:nvPr/>
+      </p:nvGrpSpPr>
+      <p:grpSpPr>
+        <a:xfrm>
+          <a:off x="0" y="0"/>
+          <a:ext cx="0" cy="0"/>
+          <a:chOff x="0" y="0"/>
+          <a:chExt cx="0" cy="0"/>
+        </a:xfrm>
+      </p:grpSpPr>
+      <p:grpSp>
+        <p:nvGrpSpPr>
+          <p:cNvPr id="35" name="그룹 34">
+            <a:extLst>
+              <a:ext uri="{FF2B5EF4-FFF2-40B4-BE49-F238E27FC236}">
+                <a16:creationId xmlns:a16="http://schemas.microsoft.com/office/drawing/2014/main" id="{4109CB63-D72B-43F6-A808-AE7B674B5252}"/>
+              </a:ext>
+            </a:extLst>
+          </p:cNvPr>
+          <p:cNvGrpSpPr/>
+          <p:nvPr/>
+        </p:nvGrpSpPr>
+        <p:grpSpPr>
+          <a:xfrm>
+            <a:off x="3149689" y="385592"/>
+            <a:ext cx="7204680" cy="6086815"/>
+            <a:chOff x="1036804" y="507628"/>
+            <a:chExt cx="7204680" cy="6086815"/>
+          </a:xfrm>
+        </p:grpSpPr>
+        <p:grpSp>
+          <p:nvGrpSpPr>
+            <p:cNvPr id="5" name="그룹 4">
+              <a:extLst>
+                <a:ext uri="{FF2B5EF4-FFF2-40B4-BE49-F238E27FC236}">
+                  <a16:creationId xmlns:a16="http://schemas.microsoft.com/office/drawing/2014/main" id="{ACBC6BC2-3972-4F56-901A-869B8B7F5B50}"/>
+                </a:ext>
+              </a:extLst>
+            </p:cNvPr>
+            <p:cNvGrpSpPr/>
+            <p:nvPr/>
+          </p:nvGrpSpPr>
+          <p:grpSpPr>
+            <a:xfrm>
+              <a:off x="1036804" y="1734743"/>
+              <a:ext cx="972621" cy="1178357"/>
+              <a:chOff x="-146868" y="1022131"/>
+              <a:chExt cx="759948" cy="1059340"/>
+            </a:xfrm>
+          </p:grpSpPr>
+          <p:sp>
+            <p:nvSpPr>
+              <p:cNvPr id="6" name="화살표: 갈매기형 수장 5">
+                <a:extLst>
+                  <a:ext uri="{FF2B5EF4-FFF2-40B4-BE49-F238E27FC236}">
+                    <a16:creationId xmlns:a16="http://schemas.microsoft.com/office/drawing/2014/main" id="{A663786A-420B-4479-A065-3A9609DF132C}"/>
+                  </a:ext>
+                </a:extLst>
+              </p:cNvPr>
+              <p:cNvSpPr/>
+              <p:nvPr/>
+            </p:nvSpPr>
+            <p:spPr>
+              <a:xfrm rot="5400000">
+                <a:off x="-287359" y="1181032"/>
+                <a:ext cx="1059340" cy="741538"/>
+              </a:xfrm>
+              <a:prstGeom prst="chevron">
+                <a:avLst/>
+              </a:prstGeom>
+            </p:spPr>
+            <p:style>
+              <a:lnRef idx="2">
+                <a:schemeClr val="accent1">
+                  <a:hueOff val="0"/>
+                  <a:satOff val="0"/>
+                  <a:lumOff val="0"/>
+                  <a:alphaOff val="0"/>
+                </a:schemeClr>
+              </a:lnRef>
+              <a:fillRef idx="1">
+                <a:schemeClr val="accent1">
+                  <a:hueOff val="0"/>
+                  <a:satOff val="0"/>
+                  <a:lumOff val="0"/>
+                  <a:alphaOff val="0"/>
+                </a:schemeClr>
+              </a:fillRef>
+              <a:effectRef idx="0">
+                <a:schemeClr val="accent1">
+                  <a:hueOff val="0"/>
+                  <a:satOff val="0"/>
+                  <a:lumOff val="0"/>
+                  <a:alphaOff val="0"/>
+                </a:schemeClr>
+              </a:effectRef>
+              <a:fontRef idx="minor">
+                <a:schemeClr val="lt1"/>
+              </a:fontRef>
+            </p:style>
+            <p:txBody>
+              <a:bodyPr/>
+              <a:lstStyle/>
+              <a:p>
+                <a:endParaRPr lang="ko-KR" altLang="en-US" dirty="0"/>
+              </a:p>
+            </p:txBody>
+          </p:sp>
+          <p:sp>
+            <p:nvSpPr>
+              <p:cNvPr id="7" name="화살표: 갈매기형 수장 4">
+                <a:extLst>
+                  <a:ext uri="{FF2B5EF4-FFF2-40B4-BE49-F238E27FC236}">
+                    <a16:creationId xmlns:a16="http://schemas.microsoft.com/office/drawing/2014/main" id="{252E7BDB-903A-47F7-8771-84E426E411BD}"/>
+                  </a:ext>
+                </a:extLst>
+              </p:cNvPr>
+              <p:cNvSpPr txBox="1"/>
+              <p:nvPr/>
+            </p:nvSpPr>
+            <p:spPr>
+              <a:xfrm>
+                <a:off x="-146868" y="1542361"/>
+                <a:ext cx="741538" cy="317802"/>
+              </a:xfrm>
+              <a:prstGeom prst="rect">
+                <a:avLst/>
+              </a:prstGeom>
+            </p:spPr>
+            <p:style>
+              <a:lnRef idx="0">
+                <a:scrgbClr r="0" g="0" b="0"/>
+              </a:lnRef>
+              <a:fillRef idx="0">
+                <a:scrgbClr r="0" g="0" b="0"/>
+              </a:fillRef>
+              <a:effectRef idx="0">
+                <a:scrgbClr r="0" g="0" b="0"/>
+              </a:effectRef>
+              <a:fontRef idx="minor">
+                <a:schemeClr val="lt1"/>
+              </a:fontRef>
+            </p:style>
+            <p:txBody>
+              <a:bodyPr spcFirstLastPara="0" vert="horz" wrap="square" lIns="8890" tIns="8890" rIns="8890" bIns="8890" numCol="1" spcCol="1270" anchor="ctr" anchorCtr="0">
+                <a:noAutofit/>
+              </a:bodyPr>
+              <a:lstStyle/>
+              <a:p>
+                <a:pPr marL="0" lvl="0" indent="0" algn="ctr" defTabSz="622300" latinLnBrk="1">
+                  <a:lnSpc>
+                    <a:spcPct val="90000"/>
+                  </a:lnSpc>
+                  <a:spcBef>
+                    <a:spcPct val="0"/>
+                  </a:spcBef>
+                  <a:spcAft>
+                    <a:spcPct val="35000"/>
+                  </a:spcAft>
+                  <a:buNone/>
+                </a:pPr>
+                <a:r>
+                  <a:rPr lang="ko-KR" altLang="en-US" sz="1400" dirty="0"/>
+                  <a:t>데이터</a:t>
+                </a:r>
+                <a:endParaRPr lang="en-US" altLang="ko-KR" sz="1400" dirty="0"/>
+              </a:p>
+              <a:p>
+                <a:pPr marL="0" lvl="0" indent="0" algn="ctr" defTabSz="622300" latinLnBrk="1">
+                  <a:lnSpc>
+                    <a:spcPct val="90000"/>
+                  </a:lnSpc>
+                  <a:spcBef>
+                    <a:spcPct val="0"/>
+                  </a:spcBef>
+                  <a:spcAft>
+                    <a:spcPct val="35000"/>
+                  </a:spcAft>
+                  <a:buNone/>
+                </a:pPr>
+                <a:r>
+                  <a:rPr lang="ko-KR" altLang="en-US" sz="1400" dirty="0"/>
+                  <a:t> 수집</a:t>
+                </a:r>
+                <a:endParaRPr lang="ko-KR" altLang="en-US" sz="1400" kern="1200" dirty="0"/>
+              </a:p>
+            </p:txBody>
+          </p:sp>
+        </p:grpSp>
+        <p:grpSp>
+          <p:nvGrpSpPr>
+            <p:cNvPr id="8" name="그룹 7">
+              <a:extLst>
+                <a:ext uri="{FF2B5EF4-FFF2-40B4-BE49-F238E27FC236}">
+                  <a16:creationId xmlns:a16="http://schemas.microsoft.com/office/drawing/2014/main" id="{4C367C8C-F5BD-4D6D-BA98-8174B6FBC326}"/>
+                </a:ext>
+              </a:extLst>
+            </p:cNvPr>
+            <p:cNvGrpSpPr/>
+            <p:nvPr/>
+          </p:nvGrpSpPr>
+          <p:grpSpPr>
+            <a:xfrm>
+              <a:off x="2202412" y="1797186"/>
+              <a:ext cx="6039072" cy="892988"/>
+              <a:chOff x="741538" y="1061644"/>
+              <a:chExt cx="6039072" cy="892988"/>
+            </a:xfrm>
+          </p:grpSpPr>
+          <p:sp>
+            <p:nvSpPr>
+              <p:cNvPr id="9" name="사각형: 둥근 위쪽 모서리 8">
+                <a:extLst>
+                  <a:ext uri="{FF2B5EF4-FFF2-40B4-BE49-F238E27FC236}">
+                    <a16:creationId xmlns:a16="http://schemas.microsoft.com/office/drawing/2014/main" id="{3268D67C-C33E-42CE-9770-8E1A24A85419}"/>
+                  </a:ext>
+                </a:extLst>
+              </p:cNvPr>
+              <p:cNvSpPr/>
+              <p:nvPr/>
+            </p:nvSpPr>
+            <p:spPr>
+              <a:xfrm rot="5400000">
+                <a:off x="3314580" y="-1511398"/>
+                <a:ext cx="892988" cy="6039072"/>
+              </a:xfrm>
+              <a:prstGeom prst="round2SameRect">
+                <a:avLst/>
+              </a:prstGeom>
+            </p:spPr>
+            <p:style>
+              <a:lnRef idx="2">
+                <a:schemeClr val="accent1">
+                  <a:hueOff val="0"/>
+                  <a:satOff val="0"/>
+                  <a:lumOff val="0"/>
+                  <a:alphaOff val="0"/>
+                </a:schemeClr>
+              </a:lnRef>
+              <a:fillRef idx="1">
+                <a:schemeClr val="lt1">
+                  <a:alpha val="90000"/>
+                  <a:hueOff val="0"/>
+                  <a:satOff val="0"/>
+                  <a:lumOff val="0"/>
+                  <a:alphaOff val="0"/>
+                </a:schemeClr>
+              </a:fillRef>
+              <a:effectRef idx="0">
+                <a:schemeClr val="lt1">
+                  <a:alpha val="90000"/>
+                  <a:hueOff val="0"/>
+                  <a:satOff val="0"/>
+                  <a:lumOff val="0"/>
+                  <a:alphaOff val="0"/>
+                </a:schemeClr>
+              </a:effectRef>
+              <a:fontRef idx="minor">
+                <a:schemeClr val="dk1">
+                  <a:hueOff val="0"/>
+                  <a:satOff val="0"/>
+                  <a:lumOff val="0"/>
+                  <a:alphaOff val="0"/>
+                </a:schemeClr>
+              </a:fontRef>
+            </p:style>
+          </p:sp>
+          <p:sp>
+            <p:nvSpPr>
+              <p:cNvPr id="10" name="사각형: 둥근 위쪽 모서리 4">
+                <a:extLst>
+                  <a:ext uri="{FF2B5EF4-FFF2-40B4-BE49-F238E27FC236}">
+                    <a16:creationId xmlns:a16="http://schemas.microsoft.com/office/drawing/2014/main" id="{E416CAB5-9DEA-44AA-84D4-DD40E86F22DB}"/>
+                  </a:ext>
+                </a:extLst>
+              </p:cNvPr>
+              <p:cNvSpPr txBox="1"/>
+              <p:nvPr/>
+            </p:nvSpPr>
+            <p:spPr>
+              <a:xfrm>
+                <a:off x="741538" y="1105236"/>
+                <a:ext cx="5995480" cy="805804"/>
+              </a:xfrm>
+              <a:prstGeom prst="rect">
+                <a:avLst/>
+              </a:prstGeom>
+            </p:spPr>
+            <p:style>
+              <a:lnRef idx="0">
+                <a:scrgbClr r="0" g="0" b="0"/>
+              </a:lnRef>
+              <a:fillRef idx="0">
+                <a:scrgbClr r="0" g="0" b="0"/>
+              </a:fillRef>
+              <a:effectRef idx="0">
+                <a:scrgbClr r="0" g="0" b="0"/>
+              </a:effectRef>
+              <a:fontRef idx="minor">
+                <a:schemeClr val="dk1">
+                  <a:hueOff val="0"/>
+                  <a:satOff val="0"/>
+                  <a:lumOff val="0"/>
+                  <a:alphaOff val="0"/>
+                </a:schemeClr>
+              </a:fontRef>
+            </p:style>
+            <p:txBody>
+              <a:bodyPr spcFirstLastPara="0" vert="horz" wrap="square" lIns="99568" tIns="8890" rIns="8890" bIns="8890" numCol="1" spcCol="1270" anchor="ctr" anchorCtr="0">
+                <a:noAutofit/>
+              </a:bodyPr>
+              <a:lstStyle/>
+              <a:p>
+                <a:pPr marL="114300" lvl="1" indent="-114300" algn="l" defTabSz="622300" latinLnBrk="1">
+                  <a:lnSpc>
+                    <a:spcPct val="90000"/>
+                  </a:lnSpc>
+                  <a:spcBef>
+                    <a:spcPct val="0"/>
+                  </a:spcBef>
+                  <a:spcAft>
+                    <a:spcPct val="15000"/>
+                  </a:spcAft>
+                  <a:buChar char="•"/>
+                </a:pPr>
+                <a:r>
+                  <a:rPr lang="ko-KR" altLang="en-US" sz="1400" kern="1200" dirty="0"/>
+                  <a:t>지역 데이터 </a:t>
+                </a:r>
+                <a:endParaRPr lang="en-US" altLang="ko-KR" sz="1400" kern="1200" dirty="0"/>
+              </a:p>
+              <a:p>
+                <a:pPr marL="114300" lvl="1" indent="-114300" algn="l" defTabSz="622300" latinLnBrk="1">
+                  <a:lnSpc>
+                    <a:spcPct val="90000"/>
+                  </a:lnSpc>
+                  <a:spcBef>
+                    <a:spcPct val="0"/>
+                  </a:spcBef>
+                  <a:spcAft>
+                    <a:spcPct val="15000"/>
+                  </a:spcAft>
+                  <a:buChar char="•"/>
+                </a:pPr>
+                <a:r>
+                  <a:rPr lang="ko-KR" altLang="en-US" sz="1400" dirty="0"/>
+                  <a:t>인구 데이터</a:t>
+                </a:r>
+                <a:endParaRPr lang="ko-KR" altLang="en-US" sz="1400" kern="1200" dirty="0"/>
+              </a:p>
+            </p:txBody>
+          </p:sp>
+        </p:grpSp>
+        <p:grpSp>
+          <p:nvGrpSpPr>
+            <p:cNvPr id="11" name="그룹 10">
+              <a:extLst>
+                <a:ext uri="{FF2B5EF4-FFF2-40B4-BE49-F238E27FC236}">
+                  <a16:creationId xmlns:a16="http://schemas.microsoft.com/office/drawing/2014/main" id="{95E13734-AFAC-4C11-B0AD-BB95DC25EA12}"/>
+                </a:ext>
+              </a:extLst>
+            </p:cNvPr>
+            <p:cNvGrpSpPr/>
+            <p:nvPr/>
+          </p:nvGrpSpPr>
+          <p:grpSpPr>
+            <a:xfrm>
+              <a:off x="1036804" y="507628"/>
+              <a:ext cx="972621" cy="1178357"/>
+              <a:chOff x="-146868" y="1022131"/>
+              <a:chExt cx="759948" cy="1059340"/>
+            </a:xfrm>
+          </p:grpSpPr>
+          <p:sp>
+            <p:nvSpPr>
+              <p:cNvPr id="12" name="화살표: 갈매기형 수장 11">
+                <a:extLst>
+                  <a:ext uri="{FF2B5EF4-FFF2-40B4-BE49-F238E27FC236}">
+                    <a16:creationId xmlns:a16="http://schemas.microsoft.com/office/drawing/2014/main" id="{4FB80A9F-52EC-4F7D-A218-9B70867CB32D}"/>
+                  </a:ext>
+                </a:extLst>
+              </p:cNvPr>
+              <p:cNvSpPr/>
+              <p:nvPr/>
+            </p:nvSpPr>
+            <p:spPr>
+              <a:xfrm rot="5400000">
+                <a:off x="-287359" y="1181032"/>
+                <a:ext cx="1059340" cy="741538"/>
+              </a:xfrm>
+              <a:prstGeom prst="chevron">
+                <a:avLst/>
+              </a:prstGeom>
+            </p:spPr>
+            <p:style>
+              <a:lnRef idx="2">
+                <a:schemeClr val="accent1">
+                  <a:hueOff val="0"/>
+                  <a:satOff val="0"/>
+                  <a:lumOff val="0"/>
+                  <a:alphaOff val="0"/>
+                </a:schemeClr>
+              </a:lnRef>
+              <a:fillRef idx="1">
+                <a:schemeClr val="accent1">
+                  <a:hueOff val="0"/>
+                  <a:satOff val="0"/>
+                  <a:lumOff val="0"/>
+                  <a:alphaOff val="0"/>
+                </a:schemeClr>
+              </a:fillRef>
+              <a:effectRef idx="0">
+                <a:schemeClr val="accent1">
+                  <a:hueOff val="0"/>
+                  <a:satOff val="0"/>
+                  <a:lumOff val="0"/>
+                  <a:alphaOff val="0"/>
+                </a:schemeClr>
+              </a:effectRef>
+              <a:fontRef idx="minor">
+                <a:schemeClr val="lt1"/>
+              </a:fontRef>
+            </p:style>
+            <p:txBody>
+              <a:bodyPr/>
+              <a:lstStyle/>
+              <a:p>
+                <a:endParaRPr lang="ko-KR" altLang="en-US" dirty="0"/>
+              </a:p>
+            </p:txBody>
+          </p:sp>
+          <p:sp>
+            <p:nvSpPr>
+              <p:cNvPr id="13" name="화살표: 갈매기형 수장 4">
+                <a:extLst>
+                  <a:ext uri="{FF2B5EF4-FFF2-40B4-BE49-F238E27FC236}">
+                    <a16:creationId xmlns:a16="http://schemas.microsoft.com/office/drawing/2014/main" id="{A5AC7DF6-9692-4E58-B6A3-87900BCCC9D2}"/>
+                  </a:ext>
+                </a:extLst>
+              </p:cNvPr>
+              <p:cNvSpPr txBox="1"/>
+              <p:nvPr/>
+            </p:nvSpPr>
+            <p:spPr>
+              <a:xfrm>
+                <a:off x="-146868" y="1542361"/>
+                <a:ext cx="741538" cy="317802"/>
+              </a:xfrm>
+              <a:prstGeom prst="rect">
+                <a:avLst/>
+              </a:prstGeom>
+            </p:spPr>
+            <p:style>
+              <a:lnRef idx="0">
+                <a:scrgbClr r="0" g="0" b="0"/>
+              </a:lnRef>
+              <a:fillRef idx="0">
+                <a:scrgbClr r="0" g="0" b="0"/>
+              </a:fillRef>
+              <a:effectRef idx="0">
+                <a:scrgbClr r="0" g="0" b="0"/>
+              </a:effectRef>
+              <a:fontRef idx="minor">
+                <a:schemeClr val="lt1"/>
+              </a:fontRef>
+            </p:style>
+            <p:txBody>
+              <a:bodyPr spcFirstLastPara="0" vert="horz" wrap="square" lIns="8890" tIns="8890" rIns="8890" bIns="8890" numCol="1" spcCol="1270" anchor="ctr" anchorCtr="0">
+                <a:noAutofit/>
+              </a:bodyPr>
+              <a:lstStyle/>
+              <a:p>
+                <a:pPr marL="0" lvl="0" indent="0" algn="ctr" defTabSz="622300" latinLnBrk="1">
+                  <a:lnSpc>
+                    <a:spcPct val="90000"/>
+                  </a:lnSpc>
+                  <a:spcBef>
+                    <a:spcPct val="0"/>
+                  </a:spcBef>
+                  <a:spcAft>
+                    <a:spcPct val="35000"/>
+                  </a:spcAft>
+                  <a:buNone/>
+                </a:pPr>
+                <a:r>
+                  <a:rPr lang="ko-KR" altLang="en-US" sz="1400" kern="1200" dirty="0"/>
+                  <a:t>현황</a:t>
+                </a:r>
+                <a:endParaRPr lang="en-US" altLang="ko-KR" sz="1400" kern="1200" dirty="0"/>
+              </a:p>
+              <a:p>
+                <a:pPr marL="0" lvl="0" indent="0" algn="ctr" defTabSz="622300" latinLnBrk="1">
+                  <a:lnSpc>
+                    <a:spcPct val="90000"/>
+                  </a:lnSpc>
+                  <a:spcBef>
+                    <a:spcPct val="0"/>
+                  </a:spcBef>
+                  <a:spcAft>
+                    <a:spcPct val="35000"/>
+                  </a:spcAft>
+                  <a:buNone/>
+                </a:pPr>
+                <a:r>
+                  <a:rPr lang="ko-KR" altLang="en-US" sz="1400" kern="1200" dirty="0"/>
+                  <a:t>분석</a:t>
+                </a:r>
+              </a:p>
+            </p:txBody>
+          </p:sp>
+        </p:grpSp>
+        <p:grpSp>
+          <p:nvGrpSpPr>
+            <p:cNvPr id="14" name="그룹 13">
+              <a:extLst>
+                <a:ext uri="{FF2B5EF4-FFF2-40B4-BE49-F238E27FC236}">
+                  <a16:creationId xmlns:a16="http://schemas.microsoft.com/office/drawing/2014/main" id="{DBEDF426-A0ED-41C5-B6D7-A6E5F71D0B74}"/>
+                </a:ext>
+              </a:extLst>
+            </p:cNvPr>
+            <p:cNvGrpSpPr/>
+            <p:nvPr/>
+          </p:nvGrpSpPr>
+          <p:grpSpPr>
+            <a:xfrm>
+              <a:off x="1036804" y="2961858"/>
+              <a:ext cx="972621" cy="1178357"/>
+              <a:chOff x="-146868" y="1022131"/>
+              <a:chExt cx="759948" cy="1059340"/>
+            </a:xfrm>
+          </p:grpSpPr>
+          <p:sp>
+            <p:nvSpPr>
+              <p:cNvPr id="15" name="화살표: 갈매기형 수장 14">
+                <a:extLst>
+                  <a:ext uri="{FF2B5EF4-FFF2-40B4-BE49-F238E27FC236}">
+                    <a16:creationId xmlns:a16="http://schemas.microsoft.com/office/drawing/2014/main" id="{DE0E6C70-B5A1-4AB6-877D-A7923D5B2F53}"/>
+                  </a:ext>
+                </a:extLst>
+              </p:cNvPr>
+              <p:cNvSpPr/>
+              <p:nvPr/>
+            </p:nvSpPr>
+            <p:spPr>
+              <a:xfrm rot="5400000">
+                <a:off x="-287359" y="1181032"/>
+                <a:ext cx="1059340" cy="741538"/>
+              </a:xfrm>
+              <a:prstGeom prst="chevron">
+                <a:avLst/>
+              </a:prstGeom>
+            </p:spPr>
+            <p:style>
+              <a:lnRef idx="2">
+                <a:schemeClr val="accent1">
+                  <a:hueOff val="0"/>
+                  <a:satOff val="0"/>
+                  <a:lumOff val="0"/>
+                  <a:alphaOff val="0"/>
+                </a:schemeClr>
+              </a:lnRef>
+              <a:fillRef idx="1">
+                <a:schemeClr val="accent1">
+                  <a:hueOff val="0"/>
+                  <a:satOff val="0"/>
+                  <a:lumOff val="0"/>
+                  <a:alphaOff val="0"/>
+                </a:schemeClr>
+              </a:fillRef>
+              <a:effectRef idx="0">
+                <a:schemeClr val="accent1">
+                  <a:hueOff val="0"/>
+                  <a:satOff val="0"/>
+                  <a:lumOff val="0"/>
+                  <a:alphaOff val="0"/>
+                </a:schemeClr>
+              </a:effectRef>
+              <a:fontRef idx="minor">
+                <a:schemeClr val="lt1"/>
+              </a:fontRef>
+            </p:style>
+            <p:txBody>
+              <a:bodyPr/>
+              <a:lstStyle/>
+              <a:p>
+                <a:endParaRPr lang="ko-KR" altLang="en-US" dirty="0"/>
+              </a:p>
+            </p:txBody>
+          </p:sp>
+          <p:sp>
+            <p:nvSpPr>
+              <p:cNvPr id="16" name="화살표: 갈매기형 수장 4">
+                <a:extLst>
+                  <a:ext uri="{FF2B5EF4-FFF2-40B4-BE49-F238E27FC236}">
+                    <a16:creationId xmlns:a16="http://schemas.microsoft.com/office/drawing/2014/main" id="{E163FE26-8D3D-4594-8903-9DEABD761F2E}"/>
+                  </a:ext>
+                </a:extLst>
+              </p:cNvPr>
+              <p:cNvSpPr txBox="1"/>
+              <p:nvPr/>
+            </p:nvSpPr>
+            <p:spPr>
+              <a:xfrm>
+                <a:off x="-146868" y="1542361"/>
+                <a:ext cx="741538" cy="317802"/>
+              </a:xfrm>
+              <a:prstGeom prst="rect">
+                <a:avLst/>
+              </a:prstGeom>
+            </p:spPr>
+            <p:style>
+              <a:lnRef idx="0">
+                <a:scrgbClr r="0" g="0" b="0"/>
+              </a:lnRef>
+              <a:fillRef idx="0">
+                <a:scrgbClr r="0" g="0" b="0"/>
+              </a:fillRef>
+              <a:effectRef idx="0">
+                <a:scrgbClr r="0" g="0" b="0"/>
+              </a:effectRef>
+              <a:fontRef idx="minor">
+                <a:schemeClr val="lt1"/>
+              </a:fontRef>
+            </p:style>
+            <p:txBody>
+              <a:bodyPr spcFirstLastPara="0" vert="horz" wrap="square" lIns="8890" tIns="8890" rIns="8890" bIns="8890" numCol="1" spcCol="1270" anchor="ctr" anchorCtr="0">
+                <a:noAutofit/>
+              </a:bodyPr>
+              <a:lstStyle/>
+              <a:p>
+                <a:pPr marL="0" lvl="0" indent="0" algn="ctr" defTabSz="622300" latinLnBrk="1">
+                  <a:lnSpc>
+                    <a:spcPct val="90000"/>
+                  </a:lnSpc>
+                  <a:spcBef>
+                    <a:spcPct val="0"/>
+                  </a:spcBef>
+                  <a:spcAft>
+                    <a:spcPct val="35000"/>
+                  </a:spcAft>
+                  <a:buNone/>
+                </a:pPr>
+                <a:r>
+                  <a:rPr lang="ko-KR" altLang="en-US" sz="1400" dirty="0" err="1"/>
+                  <a:t>전처리</a:t>
+                </a:r>
+                <a:endParaRPr lang="ko-KR" altLang="en-US" sz="1400" kern="1200" dirty="0"/>
+              </a:p>
+            </p:txBody>
+          </p:sp>
+        </p:grpSp>
+        <p:grpSp>
+          <p:nvGrpSpPr>
+            <p:cNvPr id="17" name="그룹 16">
+              <a:extLst>
+                <a:ext uri="{FF2B5EF4-FFF2-40B4-BE49-F238E27FC236}">
+                  <a16:creationId xmlns:a16="http://schemas.microsoft.com/office/drawing/2014/main" id="{3DB0FF40-8234-4D1F-BC5C-C904AFDE5F7F}"/>
+                </a:ext>
+              </a:extLst>
+            </p:cNvPr>
+            <p:cNvGrpSpPr/>
+            <p:nvPr/>
+          </p:nvGrpSpPr>
+          <p:grpSpPr>
+            <a:xfrm>
+              <a:off x="1036804" y="4188973"/>
+              <a:ext cx="972621" cy="1178357"/>
+              <a:chOff x="-146868" y="1022131"/>
+              <a:chExt cx="759948" cy="1059340"/>
+            </a:xfrm>
+          </p:grpSpPr>
+          <p:sp>
+            <p:nvSpPr>
+              <p:cNvPr id="18" name="화살표: 갈매기형 수장 17">
+                <a:extLst>
+                  <a:ext uri="{FF2B5EF4-FFF2-40B4-BE49-F238E27FC236}">
+                    <a16:creationId xmlns:a16="http://schemas.microsoft.com/office/drawing/2014/main" id="{37BA7A2A-7F30-4BA5-AF5B-8772E1C95AA9}"/>
+                  </a:ext>
+                </a:extLst>
+              </p:cNvPr>
+              <p:cNvSpPr/>
+              <p:nvPr/>
+            </p:nvSpPr>
+            <p:spPr>
+              <a:xfrm rot="5400000">
+                <a:off x="-287359" y="1181032"/>
+                <a:ext cx="1059340" cy="741538"/>
+              </a:xfrm>
+              <a:prstGeom prst="chevron">
+                <a:avLst/>
+              </a:prstGeom>
+            </p:spPr>
+            <p:style>
+              <a:lnRef idx="2">
+                <a:schemeClr val="accent1">
+                  <a:hueOff val="0"/>
+                  <a:satOff val="0"/>
+                  <a:lumOff val="0"/>
+                  <a:alphaOff val="0"/>
+                </a:schemeClr>
+              </a:lnRef>
+              <a:fillRef idx="1">
+                <a:schemeClr val="accent1">
+                  <a:hueOff val="0"/>
+                  <a:satOff val="0"/>
+                  <a:lumOff val="0"/>
+                  <a:alphaOff val="0"/>
+                </a:schemeClr>
+              </a:fillRef>
+              <a:effectRef idx="0">
+                <a:schemeClr val="accent1">
+                  <a:hueOff val="0"/>
+                  <a:satOff val="0"/>
+                  <a:lumOff val="0"/>
+                  <a:alphaOff val="0"/>
+                </a:schemeClr>
+              </a:effectRef>
+              <a:fontRef idx="minor">
+                <a:schemeClr val="lt1"/>
+              </a:fontRef>
+            </p:style>
+            <p:txBody>
+              <a:bodyPr/>
+              <a:lstStyle/>
+              <a:p>
+                <a:endParaRPr lang="ko-KR" altLang="en-US" dirty="0"/>
+              </a:p>
+            </p:txBody>
+          </p:sp>
+          <p:sp>
+            <p:nvSpPr>
+              <p:cNvPr id="19" name="화살표: 갈매기형 수장 4">
+                <a:extLst>
+                  <a:ext uri="{FF2B5EF4-FFF2-40B4-BE49-F238E27FC236}">
+                    <a16:creationId xmlns:a16="http://schemas.microsoft.com/office/drawing/2014/main" id="{89F64517-352E-4DFF-9B62-806C1D6A15C7}"/>
+                  </a:ext>
+                </a:extLst>
+              </p:cNvPr>
+              <p:cNvSpPr txBox="1"/>
+              <p:nvPr/>
+            </p:nvSpPr>
+            <p:spPr>
+              <a:xfrm>
+                <a:off x="-146868" y="1542361"/>
+                <a:ext cx="741538" cy="317802"/>
+              </a:xfrm>
+              <a:prstGeom prst="rect">
+                <a:avLst/>
+              </a:prstGeom>
+            </p:spPr>
+            <p:style>
+              <a:lnRef idx="0">
+                <a:scrgbClr r="0" g="0" b="0"/>
+              </a:lnRef>
+              <a:fillRef idx="0">
+                <a:scrgbClr r="0" g="0" b="0"/>
+              </a:fillRef>
+              <a:effectRef idx="0">
+                <a:scrgbClr r="0" g="0" b="0"/>
+              </a:effectRef>
+              <a:fontRef idx="minor">
+                <a:schemeClr val="lt1"/>
+              </a:fontRef>
+            </p:style>
+            <p:txBody>
+              <a:bodyPr spcFirstLastPara="0" vert="horz" wrap="square" lIns="8890" tIns="8890" rIns="8890" bIns="8890" numCol="1" spcCol="1270" anchor="ctr" anchorCtr="0">
+                <a:noAutofit/>
+              </a:bodyPr>
+              <a:lstStyle/>
+              <a:p>
+                <a:pPr marL="0" lvl="0" indent="0" algn="ctr" defTabSz="622300" latinLnBrk="1">
+                  <a:lnSpc>
+                    <a:spcPct val="90000"/>
+                  </a:lnSpc>
+                  <a:spcBef>
+                    <a:spcPct val="0"/>
+                  </a:spcBef>
+                  <a:spcAft>
+                    <a:spcPct val="35000"/>
+                  </a:spcAft>
+                  <a:buNone/>
+                </a:pPr>
+                <a:r>
+                  <a:rPr lang="ko-KR" altLang="en-US" sz="1400" dirty="0"/>
+                  <a:t>데이터</a:t>
+                </a:r>
+                <a:endParaRPr lang="en-US" altLang="ko-KR" sz="1400" dirty="0"/>
+              </a:p>
+              <a:p>
+                <a:pPr marL="0" lvl="0" indent="0" algn="ctr" defTabSz="622300" latinLnBrk="1">
+                  <a:lnSpc>
+                    <a:spcPct val="90000"/>
+                  </a:lnSpc>
+                  <a:spcBef>
+                    <a:spcPct val="0"/>
+                  </a:spcBef>
+                  <a:spcAft>
+                    <a:spcPct val="35000"/>
+                  </a:spcAft>
+                  <a:buNone/>
+                </a:pPr>
+                <a:r>
+                  <a:rPr lang="ko-KR" altLang="en-US" sz="1400" dirty="0"/>
+                  <a:t> 분석</a:t>
+                </a:r>
+                <a:endParaRPr lang="ko-KR" altLang="en-US" sz="1400" kern="1200" dirty="0"/>
+              </a:p>
+            </p:txBody>
+          </p:sp>
+        </p:grpSp>
+        <p:grpSp>
+          <p:nvGrpSpPr>
+            <p:cNvPr id="20" name="그룹 19">
+              <a:extLst>
+                <a:ext uri="{FF2B5EF4-FFF2-40B4-BE49-F238E27FC236}">
+                  <a16:creationId xmlns:a16="http://schemas.microsoft.com/office/drawing/2014/main" id="{ADCDC26D-90A5-42D9-8B05-6956F907B54D}"/>
+                </a:ext>
+              </a:extLst>
+            </p:cNvPr>
+            <p:cNvGrpSpPr/>
+            <p:nvPr/>
+          </p:nvGrpSpPr>
+          <p:grpSpPr>
+            <a:xfrm>
+              <a:off x="1036804" y="5416086"/>
+              <a:ext cx="972621" cy="1178357"/>
+              <a:chOff x="-146868" y="1022131"/>
+              <a:chExt cx="759948" cy="1059340"/>
+            </a:xfrm>
+          </p:grpSpPr>
+          <p:sp>
+            <p:nvSpPr>
+              <p:cNvPr id="21" name="화살표: 갈매기형 수장 20">
+                <a:extLst>
+                  <a:ext uri="{FF2B5EF4-FFF2-40B4-BE49-F238E27FC236}">
+                    <a16:creationId xmlns:a16="http://schemas.microsoft.com/office/drawing/2014/main" id="{7FF35665-BA46-4933-981B-AAFE07A04C8B}"/>
+                  </a:ext>
+                </a:extLst>
+              </p:cNvPr>
+              <p:cNvSpPr/>
+              <p:nvPr/>
+            </p:nvSpPr>
+            <p:spPr>
+              <a:xfrm rot="5400000">
+                <a:off x="-287359" y="1181032"/>
+                <a:ext cx="1059340" cy="741538"/>
+              </a:xfrm>
+              <a:prstGeom prst="chevron">
+                <a:avLst/>
+              </a:prstGeom>
+            </p:spPr>
+            <p:style>
+              <a:lnRef idx="2">
+                <a:schemeClr val="accent1">
+                  <a:hueOff val="0"/>
+                  <a:satOff val="0"/>
+                  <a:lumOff val="0"/>
+                  <a:alphaOff val="0"/>
+                </a:schemeClr>
+              </a:lnRef>
+              <a:fillRef idx="1">
+                <a:schemeClr val="accent1">
+                  <a:hueOff val="0"/>
+                  <a:satOff val="0"/>
+                  <a:lumOff val="0"/>
+                  <a:alphaOff val="0"/>
+                </a:schemeClr>
+              </a:fillRef>
+              <a:effectRef idx="0">
+                <a:schemeClr val="accent1">
+                  <a:hueOff val="0"/>
+                  <a:satOff val="0"/>
+                  <a:lumOff val="0"/>
+                  <a:alphaOff val="0"/>
+                </a:schemeClr>
+              </a:effectRef>
+              <a:fontRef idx="minor">
+                <a:schemeClr val="lt1"/>
+              </a:fontRef>
+            </p:style>
+            <p:txBody>
+              <a:bodyPr/>
+              <a:lstStyle/>
+              <a:p>
+                <a:endParaRPr lang="ko-KR" altLang="en-US" dirty="0"/>
+              </a:p>
+            </p:txBody>
+          </p:sp>
+          <p:sp>
+            <p:nvSpPr>
+              <p:cNvPr id="22" name="화살표: 갈매기형 수장 4">
+                <a:extLst>
+                  <a:ext uri="{FF2B5EF4-FFF2-40B4-BE49-F238E27FC236}">
+                    <a16:creationId xmlns:a16="http://schemas.microsoft.com/office/drawing/2014/main" id="{04ABD919-7FCC-422C-9F2E-EF867161EA10}"/>
+                  </a:ext>
+                </a:extLst>
+              </p:cNvPr>
+              <p:cNvSpPr txBox="1"/>
+              <p:nvPr/>
+            </p:nvSpPr>
+            <p:spPr>
+              <a:xfrm>
+                <a:off x="-146868" y="1542361"/>
+                <a:ext cx="741538" cy="317802"/>
+              </a:xfrm>
+              <a:prstGeom prst="rect">
+                <a:avLst/>
+              </a:prstGeom>
+            </p:spPr>
+            <p:style>
+              <a:lnRef idx="0">
+                <a:scrgbClr r="0" g="0" b="0"/>
+              </a:lnRef>
+              <a:fillRef idx="0">
+                <a:scrgbClr r="0" g="0" b="0"/>
+              </a:fillRef>
+              <a:effectRef idx="0">
+                <a:scrgbClr r="0" g="0" b="0"/>
+              </a:effectRef>
+              <a:fontRef idx="minor">
+                <a:schemeClr val="lt1"/>
+              </a:fontRef>
+            </p:style>
+            <p:txBody>
+              <a:bodyPr spcFirstLastPara="0" vert="horz" wrap="square" lIns="8890" tIns="8890" rIns="8890" bIns="8890" numCol="1" spcCol="1270" anchor="ctr" anchorCtr="0">
+                <a:noAutofit/>
+              </a:bodyPr>
+              <a:lstStyle/>
+              <a:p>
+                <a:pPr marL="0" lvl="0" indent="0" algn="ctr" defTabSz="622300" latinLnBrk="1">
+                  <a:lnSpc>
+                    <a:spcPct val="90000"/>
+                  </a:lnSpc>
+                  <a:spcBef>
+                    <a:spcPct val="0"/>
+                  </a:spcBef>
+                  <a:spcAft>
+                    <a:spcPct val="35000"/>
+                  </a:spcAft>
+                  <a:buNone/>
+                </a:pPr>
+                <a:r>
+                  <a:rPr lang="ko-KR" altLang="en-US" sz="1400" kern="1200" dirty="0"/>
+                  <a:t>분석</a:t>
+                </a:r>
+                <a:endParaRPr lang="en-US" altLang="ko-KR" sz="1400" kern="1200" dirty="0"/>
+              </a:p>
+              <a:p>
+                <a:pPr marL="0" lvl="0" indent="0" algn="ctr" defTabSz="622300" latinLnBrk="1">
+                  <a:lnSpc>
+                    <a:spcPct val="90000"/>
+                  </a:lnSpc>
+                  <a:spcBef>
+                    <a:spcPct val="0"/>
+                  </a:spcBef>
+                  <a:spcAft>
+                    <a:spcPct val="35000"/>
+                  </a:spcAft>
+                  <a:buNone/>
+                </a:pPr>
+                <a:r>
+                  <a:rPr lang="ko-KR" altLang="en-US" sz="1400" kern="1200" dirty="0"/>
+                  <a:t>결과</a:t>
+                </a:r>
+              </a:p>
+            </p:txBody>
+          </p:sp>
+        </p:grpSp>
+        <p:grpSp>
+          <p:nvGrpSpPr>
+            <p:cNvPr id="23" name="그룹 22">
+              <a:extLst>
+                <a:ext uri="{FF2B5EF4-FFF2-40B4-BE49-F238E27FC236}">
+                  <a16:creationId xmlns:a16="http://schemas.microsoft.com/office/drawing/2014/main" id="{B5F7E94F-3436-48EA-8E12-1F53D49A4411}"/>
+                </a:ext>
+              </a:extLst>
+            </p:cNvPr>
+            <p:cNvGrpSpPr/>
+            <p:nvPr/>
+          </p:nvGrpSpPr>
+          <p:grpSpPr>
+            <a:xfrm>
+              <a:off x="2202412" y="546825"/>
+              <a:ext cx="6039072" cy="892988"/>
+              <a:chOff x="741538" y="1061644"/>
+              <a:chExt cx="6039072" cy="892988"/>
+            </a:xfrm>
+          </p:grpSpPr>
+          <p:sp>
+            <p:nvSpPr>
+              <p:cNvPr id="24" name="사각형: 둥근 위쪽 모서리 23">
+                <a:extLst>
+                  <a:ext uri="{FF2B5EF4-FFF2-40B4-BE49-F238E27FC236}">
+                    <a16:creationId xmlns:a16="http://schemas.microsoft.com/office/drawing/2014/main" id="{0A3D17C0-92D1-43A0-A797-F5C05B7C1002}"/>
+                  </a:ext>
+                </a:extLst>
+              </p:cNvPr>
+              <p:cNvSpPr/>
+              <p:nvPr/>
+            </p:nvSpPr>
+            <p:spPr>
+              <a:xfrm rot="5400000">
+                <a:off x="3314580" y="-1511398"/>
+                <a:ext cx="892988" cy="6039072"/>
+              </a:xfrm>
+              <a:prstGeom prst="round2SameRect">
+                <a:avLst/>
+              </a:prstGeom>
+            </p:spPr>
+            <p:style>
+              <a:lnRef idx="2">
+                <a:schemeClr val="accent1">
+                  <a:hueOff val="0"/>
+                  <a:satOff val="0"/>
+                  <a:lumOff val="0"/>
+                  <a:alphaOff val="0"/>
+                </a:schemeClr>
+              </a:lnRef>
+              <a:fillRef idx="1">
+                <a:schemeClr val="lt1">
+                  <a:alpha val="90000"/>
+                  <a:hueOff val="0"/>
+                  <a:satOff val="0"/>
+                  <a:lumOff val="0"/>
+                  <a:alphaOff val="0"/>
+                </a:schemeClr>
+              </a:fillRef>
+              <a:effectRef idx="0">
+                <a:schemeClr val="lt1">
+                  <a:alpha val="90000"/>
+                  <a:hueOff val="0"/>
+                  <a:satOff val="0"/>
+                  <a:lumOff val="0"/>
+                  <a:alphaOff val="0"/>
+                </a:schemeClr>
+              </a:effectRef>
+              <a:fontRef idx="minor">
+                <a:schemeClr val="dk1">
+                  <a:hueOff val="0"/>
+                  <a:satOff val="0"/>
+                  <a:lumOff val="0"/>
+                  <a:alphaOff val="0"/>
+                </a:schemeClr>
+              </a:fontRef>
+            </p:style>
+          </p:sp>
+          <p:sp>
+            <p:nvSpPr>
+              <p:cNvPr id="25" name="사각형: 둥근 위쪽 모서리 4">
+                <a:extLst>
+                  <a:ext uri="{FF2B5EF4-FFF2-40B4-BE49-F238E27FC236}">
+                    <a16:creationId xmlns:a16="http://schemas.microsoft.com/office/drawing/2014/main" id="{523008DD-0F24-4BDE-9AD5-7A6C0B903D74}"/>
+                  </a:ext>
+                </a:extLst>
+              </p:cNvPr>
+              <p:cNvSpPr txBox="1"/>
+              <p:nvPr/>
+            </p:nvSpPr>
+            <p:spPr>
+              <a:xfrm>
+                <a:off x="741538" y="1105236"/>
+                <a:ext cx="5995480" cy="805804"/>
+              </a:xfrm>
+              <a:prstGeom prst="rect">
+                <a:avLst/>
+              </a:prstGeom>
+            </p:spPr>
+            <p:style>
+              <a:lnRef idx="0">
+                <a:scrgbClr r="0" g="0" b="0"/>
+              </a:lnRef>
+              <a:fillRef idx="0">
+                <a:scrgbClr r="0" g="0" b="0"/>
+              </a:fillRef>
+              <a:effectRef idx="0">
+                <a:scrgbClr r="0" g="0" b="0"/>
+              </a:effectRef>
+              <a:fontRef idx="minor">
+                <a:schemeClr val="dk1">
+                  <a:hueOff val="0"/>
+                  <a:satOff val="0"/>
+                  <a:lumOff val="0"/>
+                  <a:alphaOff val="0"/>
+                </a:schemeClr>
+              </a:fontRef>
+            </p:style>
+            <p:txBody>
+              <a:bodyPr spcFirstLastPara="0" vert="horz" wrap="square" lIns="99568" tIns="8890" rIns="8890" bIns="8890" numCol="1" spcCol="1270" anchor="ctr" anchorCtr="0">
+                <a:noAutofit/>
+              </a:bodyPr>
+              <a:lstStyle/>
+              <a:p>
+                <a:pPr marL="114300" lvl="1" indent="-114300" algn="l" defTabSz="622300" latinLnBrk="1">
+                  <a:lnSpc>
+                    <a:spcPct val="90000"/>
+                  </a:lnSpc>
+                  <a:spcBef>
+                    <a:spcPct val="0"/>
+                  </a:spcBef>
+                  <a:spcAft>
+                    <a:spcPct val="15000"/>
+                  </a:spcAft>
+                  <a:buChar char="•"/>
+                </a:pPr>
+                <a:r>
+                  <a:rPr lang="ko-KR" altLang="en-US" sz="1400" kern="1200" dirty="0"/>
+                  <a:t>주차시설 현황조사</a:t>
+                </a:r>
+                <a:endParaRPr lang="en-US" altLang="ko-KR" sz="1400" kern="1200" dirty="0"/>
+              </a:p>
+              <a:p>
+                <a:pPr marL="114300" lvl="1" indent="-114300" algn="l" defTabSz="622300" latinLnBrk="1">
+                  <a:lnSpc>
+                    <a:spcPct val="90000"/>
+                  </a:lnSpc>
+                  <a:spcBef>
+                    <a:spcPct val="0"/>
+                  </a:spcBef>
+                  <a:spcAft>
+                    <a:spcPct val="15000"/>
+                  </a:spcAft>
+                  <a:buChar char="•"/>
+                </a:pPr>
+                <a:r>
+                  <a:rPr lang="ko-KR" altLang="en-US" sz="1400" dirty="0"/>
+                  <a:t>주차 만족도 작성</a:t>
+                </a:r>
+                <a:endParaRPr lang="ko-KR" altLang="en-US" sz="1400" kern="1200" dirty="0"/>
+              </a:p>
+            </p:txBody>
+          </p:sp>
+        </p:grpSp>
+        <p:grpSp>
+          <p:nvGrpSpPr>
+            <p:cNvPr id="26" name="그룹 25">
+              <a:extLst>
+                <a:ext uri="{FF2B5EF4-FFF2-40B4-BE49-F238E27FC236}">
+                  <a16:creationId xmlns:a16="http://schemas.microsoft.com/office/drawing/2014/main" id="{53B08DA6-DCB2-4588-B11D-4807B7BC4391}"/>
+                </a:ext>
+              </a:extLst>
+            </p:cNvPr>
+            <p:cNvGrpSpPr/>
+            <p:nvPr/>
+          </p:nvGrpSpPr>
+          <p:grpSpPr>
+            <a:xfrm>
+              <a:off x="2202412" y="3047547"/>
+              <a:ext cx="6039072" cy="892988"/>
+              <a:chOff x="741538" y="1061644"/>
+              <a:chExt cx="6039072" cy="892988"/>
+            </a:xfrm>
+          </p:grpSpPr>
+          <p:sp>
+            <p:nvSpPr>
+              <p:cNvPr id="27" name="사각형: 둥근 위쪽 모서리 26">
+                <a:extLst>
+                  <a:ext uri="{FF2B5EF4-FFF2-40B4-BE49-F238E27FC236}">
+                    <a16:creationId xmlns:a16="http://schemas.microsoft.com/office/drawing/2014/main" id="{A8D8D6D3-9B9B-414B-ACD0-DC8BBCBB4F89}"/>
+                  </a:ext>
+                </a:extLst>
+              </p:cNvPr>
+              <p:cNvSpPr/>
+              <p:nvPr/>
+            </p:nvSpPr>
+            <p:spPr>
+              <a:xfrm rot="5400000">
+                <a:off x="3314580" y="-1511398"/>
+                <a:ext cx="892988" cy="6039072"/>
+              </a:xfrm>
+              <a:prstGeom prst="round2SameRect">
+                <a:avLst/>
+              </a:prstGeom>
+            </p:spPr>
+            <p:style>
+              <a:lnRef idx="2">
+                <a:schemeClr val="accent1">
+                  <a:hueOff val="0"/>
+                  <a:satOff val="0"/>
+                  <a:lumOff val="0"/>
+                  <a:alphaOff val="0"/>
+                </a:schemeClr>
+              </a:lnRef>
+              <a:fillRef idx="1">
+                <a:schemeClr val="lt1">
+                  <a:alpha val="90000"/>
+                  <a:hueOff val="0"/>
+                  <a:satOff val="0"/>
+                  <a:lumOff val="0"/>
+                  <a:alphaOff val="0"/>
+                </a:schemeClr>
+              </a:fillRef>
+              <a:effectRef idx="0">
+                <a:schemeClr val="lt1">
+                  <a:alpha val="90000"/>
+                  <a:hueOff val="0"/>
+                  <a:satOff val="0"/>
+                  <a:lumOff val="0"/>
+                  <a:alphaOff val="0"/>
+                </a:schemeClr>
+              </a:effectRef>
+              <a:fontRef idx="minor">
+                <a:schemeClr val="dk1">
+                  <a:hueOff val="0"/>
+                  <a:satOff val="0"/>
+                  <a:lumOff val="0"/>
+                  <a:alphaOff val="0"/>
+                </a:schemeClr>
+              </a:fontRef>
+            </p:style>
+          </p:sp>
+          <p:sp>
+            <p:nvSpPr>
+              <p:cNvPr id="28" name="사각형: 둥근 위쪽 모서리 4">
+                <a:extLst>
+                  <a:ext uri="{FF2B5EF4-FFF2-40B4-BE49-F238E27FC236}">
+                    <a16:creationId xmlns:a16="http://schemas.microsoft.com/office/drawing/2014/main" id="{9FE6BB7F-C5AF-4F1C-8D67-45EB33FF5085}"/>
+                  </a:ext>
+                </a:extLst>
+              </p:cNvPr>
+              <p:cNvSpPr txBox="1"/>
+              <p:nvPr/>
+            </p:nvSpPr>
+            <p:spPr>
+              <a:xfrm>
+                <a:off x="741538" y="1105236"/>
+                <a:ext cx="5995480" cy="805804"/>
+              </a:xfrm>
+              <a:prstGeom prst="rect">
+                <a:avLst/>
+              </a:prstGeom>
+            </p:spPr>
+            <p:style>
+              <a:lnRef idx="0">
+                <a:scrgbClr r="0" g="0" b="0"/>
+              </a:lnRef>
+              <a:fillRef idx="0">
+                <a:scrgbClr r="0" g="0" b="0"/>
+              </a:fillRef>
+              <a:effectRef idx="0">
+                <a:scrgbClr r="0" g="0" b="0"/>
+              </a:effectRef>
+              <a:fontRef idx="minor">
+                <a:schemeClr val="dk1">
+                  <a:hueOff val="0"/>
+                  <a:satOff val="0"/>
+                  <a:lumOff val="0"/>
+                  <a:alphaOff val="0"/>
+                </a:schemeClr>
+              </a:fontRef>
+            </p:style>
+            <p:txBody>
+              <a:bodyPr spcFirstLastPara="0" vert="horz" wrap="square" lIns="99568" tIns="8890" rIns="8890" bIns="8890" numCol="1" spcCol="1270" anchor="ctr" anchorCtr="0">
+                <a:noAutofit/>
+              </a:bodyPr>
+              <a:lstStyle/>
+              <a:p>
+                <a:pPr marL="114300" lvl="1" indent="-114300" algn="l" defTabSz="622300" latinLnBrk="1">
+                  <a:lnSpc>
+                    <a:spcPct val="90000"/>
+                  </a:lnSpc>
+                  <a:spcBef>
+                    <a:spcPct val="0"/>
+                  </a:spcBef>
+                  <a:spcAft>
+                    <a:spcPct val="15000"/>
+                  </a:spcAft>
+                  <a:buChar char="•"/>
+                </a:pPr>
+                <a:r>
+                  <a:rPr lang="ko-KR" altLang="en-US" sz="1400" kern="1200" dirty="0"/>
+                  <a:t>지역 데이터 </a:t>
+                </a:r>
+                <a:r>
+                  <a:rPr lang="en-US" altLang="ko-KR" sz="1400" kern="1200" dirty="0"/>
+                  <a:t>: </a:t>
+                </a:r>
+                <a:r>
+                  <a:rPr lang="ko-KR" altLang="en-US" sz="1400" kern="1200" dirty="0" err="1"/>
+                  <a:t>사업체수</a:t>
+                </a:r>
+                <a:r>
+                  <a:rPr lang="en-US" altLang="ko-KR" sz="1400" kern="1200" dirty="0"/>
+                  <a:t>, </a:t>
+                </a:r>
+                <a:r>
+                  <a:rPr lang="ko-KR" altLang="en-US" sz="1400" kern="1200" dirty="0" err="1"/>
+                  <a:t>주차면수</a:t>
+                </a:r>
+                <a:r>
+                  <a:rPr lang="en-US" altLang="ko-KR" sz="1400" kern="1200" dirty="0"/>
+                  <a:t>, </a:t>
+                </a:r>
+                <a:r>
+                  <a:rPr lang="ko-KR" altLang="en-US" sz="1400" kern="1200" dirty="0"/>
+                  <a:t>공영주차장 위치</a:t>
+                </a:r>
+              </a:p>
+              <a:p>
+                <a:pPr marL="114300" lvl="1" indent="-114300" algn="l" defTabSz="622300" latinLnBrk="1">
+                  <a:lnSpc>
+                    <a:spcPct val="90000"/>
+                  </a:lnSpc>
+                  <a:spcBef>
+                    <a:spcPct val="0"/>
+                  </a:spcBef>
+                  <a:spcAft>
+                    <a:spcPct val="15000"/>
+                  </a:spcAft>
+                  <a:buChar char="•"/>
+                </a:pPr>
+                <a:r>
+                  <a:rPr lang="ko-KR" altLang="en-US" sz="1400" kern="1200" dirty="0"/>
+                  <a:t>인구데이터 </a:t>
+                </a:r>
+                <a:r>
+                  <a:rPr lang="en-US" altLang="ko-KR" sz="1400" kern="1200" dirty="0"/>
+                  <a:t>: </a:t>
+                </a:r>
+                <a:r>
+                  <a:rPr lang="ko-KR" altLang="en-US" sz="1400" kern="1200" dirty="0"/>
+                  <a:t>카드이용건수</a:t>
+                </a:r>
+                <a:r>
+                  <a:rPr lang="en-US" altLang="ko-KR" sz="1400" kern="1200" dirty="0"/>
+                  <a:t>, </a:t>
+                </a:r>
+                <a:r>
+                  <a:rPr lang="ko-KR" altLang="en-US" sz="1400" kern="1200" dirty="0"/>
+                  <a:t>유동인구</a:t>
+                </a:r>
+                <a:r>
+                  <a:rPr lang="en-US" altLang="ko-KR" sz="1400" kern="1200" dirty="0"/>
+                  <a:t>, </a:t>
+                </a:r>
+                <a:r>
+                  <a:rPr lang="en-US" altLang="ko-KR" sz="1400" kern="1200" dirty="0" err="1"/>
+                  <a:t>WiFi</a:t>
+                </a:r>
+                <a:r>
+                  <a:rPr lang="en-US" altLang="ko-KR" sz="1400" kern="1200" dirty="0"/>
+                  <a:t> </a:t>
+                </a:r>
+                <a:r>
+                  <a:rPr lang="ko-KR" altLang="en-US" sz="1400" kern="1200" dirty="0"/>
+                  <a:t>접속자수</a:t>
+                </a:r>
+              </a:p>
+            </p:txBody>
+          </p:sp>
+        </p:grpSp>
+        <p:grpSp>
+          <p:nvGrpSpPr>
+            <p:cNvPr id="29" name="그룹 28">
+              <a:extLst>
+                <a:ext uri="{FF2B5EF4-FFF2-40B4-BE49-F238E27FC236}">
+                  <a16:creationId xmlns:a16="http://schemas.microsoft.com/office/drawing/2014/main" id="{2A1B911C-BCE8-4E85-9DAE-14760D194677}"/>
+                </a:ext>
+              </a:extLst>
+            </p:cNvPr>
+            <p:cNvGrpSpPr/>
+            <p:nvPr/>
+          </p:nvGrpSpPr>
+          <p:grpSpPr>
+            <a:xfrm>
+              <a:off x="2202412" y="4297908"/>
+              <a:ext cx="6039072" cy="892988"/>
+              <a:chOff x="741538" y="1061644"/>
+              <a:chExt cx="6039072" cy="892988"/>
+            </a:xfrm>
+          </p:grpSpPr>
+          <p:sp>
+            <p:nvSpPr>
+              <p:cNvPr id="30" name="사각형: 둥근 위쪽 모서리 29">
+                <a:extLst>
+                  <a:ext uri="{FF2B5EF4-FFF2-40B4-BE49-F238E27FC236}">
+                    <a16:creationId xmlns:a16="http://schemas.microsoft.com/office/drawing/2014/main" id="{12FEF920-F1D1-45DF-A62A-E7910D6AA9EC}"/>
+                  </a:ext>
+                </a:extLst>
+              </p:cNvPr>
+              <p:cNvSpPr/>
+              <p:nvPr/>
+            </p:nvSpPr>
+            <p:spPr>
+              <a:xfrm rot="5400000">
+                <a:off x="3314580" y="-1511398"/>
+                <a:ext cx="892988" cy="6039072"/>
+              </a:xfrm>
+              <a:prstGeom prst="round2SameRect">
+                <a:avLst/>
+              </a:prstGeom>
+            </p:spPr>
+            <p:style>
+              <a:lnRef idx="2">
+                <a:schemeClr val="accent1">
+                  <a:hueOff val="0"/>
+                  <a:satOff val="0"/>
+                  <a:lumOff val="0"/>
+                  <a:alphaOff val="0"/>
+                </a:schemeClr>
+              </a:lnRef>
+              <a:fillRef idx="1">
+                <a:schemeClr val="lt1">
+                  <a:alpha val="90000"/>
+                  <a:hueOff val="0"/>
+                  <a:satOff val="0"/>
+                  <a:lumOff val="0"/>
+                  <a:alphaOff val="0"/>
+                </a:schemeClr>
+              </a:fillRef>
+              <a:effectRef idx="0">
+                <a:schemeClr val="lt1">
+                  <a:alpha val="90000"/>
+                  <a:hueOff val="0"/>
+                  <a:satOff val="0"/>
+                  <a:lumOff val="0"/>
+                  <a:alphaOff val="0"/>
+                </a:schemeClr>
+              </a:effectRef>
+              <a:fontRef idx="minor">
+                <a:schemeClr val="dk1">
+                  <a:hueOff val="0"/>
+                  <a:satOff val="0"/>
+                  <a:lumOff val="0"/>
+                  <a:alphaOff val="0"/>
+                </a:schemeClr>
+              </a:fontRef>
+            </p:style>
+          </p:sp>
+          <p:sp>
+            <p:nvSpPr>
+              <p:cNvPr id="31" name="사각형: 둥근 위쪽 모서리 4">
+                <a:extLst>
+                  <a:ext uri="{FF2B5EF4-FFF2-40B4-BE49-F238E27FC236}">
+                    <a16:creationId xmlns:a16="http://schemas.microsoft.com/office/drawing/2014/main" id="{75FC7508-6388-416C-B8CB-9DDB02429CA8}"/>
+                  </a:ext>
+                </a:extLst>
+              </p:cNvPr>
+              <p:cNvSpPr txBox="1"/>
+              <p:nvPr/>
+            </p:nvSpPr>
+            <p:spPr>
+              <a:xfrm>
+                <a:off x="741538" y="1105236"/>
+                <a:ext cx="5995480" cy="805804"/>
+              </a:xfrm>
+              <a:prstGeom prst="rect">
+                <a:avLst/>
+              </a:prstGeom>
+            </p:spPr>
+            <p:style>
+              <a:lnRef idx="0">
+                <a:scrgbClr r="0" g="0" b="0"/>
+              </a:lnRef>
+              <a:fillRef idx="0">
+                <a:scrgbClr r="0" g="0" b="0"/>
+              </a:fillRef>
+              <a:effectRef idx="0">
+                <a:scrgbClr r="0" g="0" b="0"/>
+              </a:effectRef>
+              <a:fontRef idx="minor">
+                <a:schemeClr val="dk1">
+                  <a:hueOff val="0"/>
+                  <a:satOff val="0"/>
+                  <a:lumOff val="0"/>
+                  <a:alphaOff val="0"/>
+                </a:schemeClr>
+              </a:fontRef>
+            </p:style>
+            <p:txBody>
+              <a:bodyPr spcFirstLastPara="0" vert="horz" wrap="square" lIns="99568" tIns="8890" rIns="8890" bIns="8890" numCol="1" spcCol="1270" anchor="ctr" anchorCtr="0">
+                <a:noAutofit/>
+              </a:bodyPr>
+              <a:lstStyle/>
+              <a:p>
+                <a:pPr marL="114300" lvl="1" indent="-114300" algn="l" defTabSz="622300" latinLnBrk="1">
+                  <a:lnSpc>
+                    <a:spcPct val="90000"/>
+                  </a:lnSpc>
+                  <a:spcBef>
+                    <a:spcPct val="0"/>
+                  </a:spcBef>
+                  <a:spcAft>
+                    <a:spcPct val="15000"/>
+                  </a:spcAft>
+                  <a:buChar char="•"/>
+                </a:pPr>
+                <a:r>
+                  <a:rPr lang="ko-KR" altLang="en-US" sz="1400" kern="1200" dirty="0"/>
+                  <a:t>상관분석</a:t>
+                </a:r>
+                <a:endParaRPr lang="en-US" altLang="ko-KR" sz="1400" kern="1200" dirty="0"/>
+              </a:p>
+              <a:p>
+                <a:pPr marL="114300" lvl="1" indent="-114300" algn="l" defTabSz="622300" latinLnBrk="1">
+                  <a:lnSpc>
+                    <a:spcPct val="90000"/>
+                  </a:lnSpc>
+                  <a:spcBef>
+                    <a:spcPct val="0"/>
+                  </a:spcBef>
+                  <a:spcAft>
+                    <a:spcPct val="15000"/>
+                  </a:spcAft>
+                  <a:buChar char="•"/>
+                </a:pPr>
+                <a:r>
+                  <a:rPr lang="ko-KR" altLang="en-US" sz="1400" dirty="0"/>
+                  <a:t>군집분석</a:t>
+                </a:r>
+                <a:endParaRPr lang="en-US" altLang="ko-KR" sz="1400" dirty="0"/>
+              </a:p>
+              <a:p>
+                <a:pPr marL="114300" lvl="1" indent="-114300" algn="l" defTabSz="622300" latinLnBrk="1">
+                  <a:lnSpc>
+                    <a:spcPct val="90000"/>
+                  </a:lnSpc>
+                  <a:spcBef>
+                    <a:spcPct val="0"/>
+                  </a:spcBef>
+                  <a:spcAft>
+                    <a:spcPct val="15000"/>
+                  </a:spcAft>
+                  <a:buChar char="•"/>
+                </a:pPr>
+                <a:r>
+                  <a:rPr lang="ko-KR" altLang="en-US" sz="1400" kern="1200" dirty="0"/>
+                  <a:t>회귀분석</a:t>
+                </a:r>
+              </a:p>
+            </p:txBody>
+          </p:sp>
+        </p:grpSp>
+        <p:grpSp>
+          <p:nvGrpSpPr>
+            <p:cNvPr id="32" name="그룹 31">
+              <a:extLst>
+                <a:ext uri="{FF2B5EF4-FFF2-40B4-BE49-F238E27FC236}">
+                  <a16:creationId xmlns:a16="http://schemas.microsoft.com/office/drawing/2014/main" id="{B9EDC9F4-345F-4D74-ADBF-170CBE29C330}"/>
+                </a:ext>
+              </a:extLst>
+            </p:cNvPr>
+            <p:cNvGrpSpPr/>
+            <p:nvPr/>
+          </p:nvGrpSpPr>
+          <p:grpSpPr>
+            <a:xfrm>
+              <a:off x="2202412" y="5548270"/>
+              <a:ext cx="6039072" cy="892988"/>
+              <a:chOff x="741538" y="1061644"/>
+              <a:chExt cx="6039072" cy="892988"/>
+            </a:xfrm>
+          </p:grpSpPr>
+          <p:sp>
+            <p:nvSpPr>
+              <p:cNvPr id="33" name="사각형: 둥근 위쪽 모서리 32">
+                <a:extLst>
+                  <a:ext uri="{FF2B5EF4-FFF2-40B4-BE49-F238E27FC236}">
+                    <a16:creationId xmlns:a16="http://schemas.microsoft.com/office/drawing/2014/main" id="{2C744180-B634-490F-B311-8F26A0A62B38}"/>
+                  </a:ext>
+                </a:extLst>
+              </p:cNvPr>
+              <p:cNvSpPr/>
+              <p:nvPr/>
+            </p:nvSpPr>
+            <p:spPr>
+              <a:xfrm rot="5400000">
+                <a:off x="3314580" y="-1511398"/>
+                <a:ext cx="892988" cy="6039072"/>
+              </a:xfrm>
+              <a:prstGeom prst="round2SameRect">
+                <a:avLst/>
+              </a:prstGeom>
+            </p:spPr>
+            <p:style>
+              <a:lnRef idx="2">
+                <a:schemeClr val="accent1">
+                  <a:hueOff val="0"/>
+                  <a:satOff val="0"/>
+                  <a:lumOff val="0"/>
+                  <a:alphaOff val="0"/>
+                </a:schemeClr>
+              </a:lnRef>
+              <a:fillRef idx="1">
+                <a:schemeClr val="lt1">
+                  <a:alpha val="90000"/>
+                  <a:hueOff val="0"/>
+                  <a:satOff val="0"/>
+                  <a:lumOff val="0"/>
+                  <a:alphaOff val="0"/>
+                </a:schemeClr>
+              </a:fillRef>
+              <a:effectRef idx="0">
+                <a:schemeClr val="lt1">
+                  <a:alpha val="90000"/>
+                  <a:hueOff val="0"/>
+                  <a:satOff val="0"/>
+                  <a:lumOff val="0"/>
+                  <a:alphaOff val="0"/>
+                </a:schemeClr>
+              </a:effectRef>
+              <a:fontRef idx="minor">
+                <a:schemeClr val="dk1">
+                  <a:hueOff val="0"/>
+                  <a:satOff val="0"/>
+                  <a:lumOff val="0"/>
+                  <a:alphaOff val="0"/>
+                </a:schemeClr>
+              </a:fontRef>
+            </p:style>
+          </p:sp>
+          <p:sp>
+            <p:nvSpPr>
+              <p:cNvPr id="34" name="사각형: 둥근 위쪽 모서리 4">
+                <a:extLst>
+                  <a:ext uri="{FF2B5EF4-FFF2-40B4-BE49-F238E27FC236}">
+                    <a16:creationId xmlns:a16="http://schemas.microsoft.com/office/drawing/2014/main" id="{1ABE248A-D895-4E4D-A0BC-5BDB2C2EF974}"/>
+                  </a:ext>
+                </a:extLst>
+              </p:cNvPr>
+              <p:cNvSpPr txBox="1"/>
+              <p:nvPr/>
+            </p:nvSpPr>
+            <p:spPr>
+              <a:xfrm>
+                <a:off x="741538" y="1105236"/>
+                <a:ext cx="5995480" cy="805804"/>
+              </a:xfrm>
+              <a:prstGeom prst="rect">
+                <a:avLst/>
+              </a:prstGeom>
+            </p:spPr>
+            <p:style>
+              <a:lnRef idx="0">
+                <a:scrgbClr r="0" g="0" b="0"/>
+              </a:lnRef>
+              <a:fillRef idx="0">
+                <a:scrgbClr r="0" g="0" b="0"/>
+              </a:fillRef>
+              <a:effectRef idx="0">
+                <a:scrgbClr r="0" g="0" b="0"/>
+              </a:effectRef>
+              <a:fontRef idx="minor">
+                <a:schemeClr val="dk1">
+                  <a:hueOff val="0"/>
+                  <a:satOff val="0"/>
+                  <a:lumOff val="0"/>
+                  <a:alphaOff val="0"/>
+                </a:schemeClr>
+              </a:fontRef>
+            </p:style>
+            <p:txBody>
+              <a:bodyPr spcFirstLastPara="0" vert="horz" wrap="square" lIns="99568" tIns="8890" rIns="8890" bIns="8890" numCol="1" spcCol="1270" anchor="ctr" anchorCtr="0">
+                <a:noAutofit/>
+              </a:bodyPr>
+              <a:lstStyle/>
+              <a:p>
+                <a:pPr marL="114300" lvl="1" indent="-114300" algn="l" defTabSz="622300" latinLnBrk="1">
+                  <a:lnSpc>
+                    <a:spcPct val="90000"/>
+                  </a:lnSpc>
+                  <a:spcBef>
+                    <a:spcPct val="0"/>
+                  </a:spcBef>
+                  <a:spcAft>
+                    <a:spcPct val="15000"/>
+                  </a:spcAft>
+                  <a:buChar char="•"/>
+                </a:pPr>
+                <a:r>
+                  <a:rPr lang="en-US" altLang="ko-KR" sz="1400" kern="1200" dirty="0"/>
+                  <a:t>QGIS </a:t>
+                </a:r>
+                <a:r>
+                  <a:rPr lang="ko-KR" altLang="en-US" sz="1400" kern="1200" dirty="0"/>
+                  <a:t>시각화</a:t>
+                </a:r>
+              </a:p>
+            </p:txBody>
+          </p:sp>
+        </p:grpSp>
+      </p:grpSp>
+    </p:spTree>
+    <p:extLst>
+      <p:ext uri="{BB962C8B-B14F-4D97-AF65-F5344CB8AC3E}">
+        <p14:creationId xmlns:p14="http://schemas.microsoft.com/office/powerpoint/2010/main" val="3532650462"/>
       </p:ext>
     </p:extLst>
   </p:cSld>
